--- a/power-point/3-object-props.pptx
+++ b/power-point/3-object-props.pptx
@@ -374,7 +374,7 @@
             <a:srgbClr val="A4A3A4"/>
           </p15:clr>
         </p15:guide>
-        <p15:guide id="2" pos="1262" userDrawn="1">
+        <p15:guide id="2" pos="1284" userDrawn="1">
           <p15:clr>
             <a:srgbClr val="A4A3A4"/>
           </p15:clr>
@@ -1949,7 +1949,7 @@
           </a:ln>
           <a:extLst>
             <a:ext uri="{C572A759-6A51-4108-AA02-DFA0A04FC94B}">
-              <ma14:wrappingTextBoxFlag xmlns="" xmlns:m="http://schemas.openxmlformats.org/officeDocument/2006/math" xmlns:a14="http://schemas.microsoft.com/office/drawing/2010/main" xmlns:ma14="http://schemas.microsoft.com/office/mac/drawingml/2011/main" val="1"/>
+              <ma14:wrappingTextBoxFlag xmlns:ma14="http://schemas.microsoft.com/office/mac/drawingml/2011/main" xmlns:a14="http://schemas.microsoft.com/office/drawing/2010/main" xmlns:m="http://schemas.openxmlformats.org/officeDocument/2006/math" xmlns="" val="1"/>
             </a:ext>
           </a:extLst>
         </p:spPr>
@@ -1988,7 +1988,7 @@
           </a:ln>
           <a:extLst>
             <a:ext uri="{C572A759-6A51-4108-AA02-DFA0A04FC94B}">
-              <ma14:wrappingTextBoxFlag xmlns="" xmlns:m="http://schemas.openxmlformats.org/officeDocument/2006/math" xmlns:a14="http://schemas.microsoft.com/office/drawing/2010/main" xmlns:ma14="http://schemas.microsoft.com/office/mac/drawingml/2011/main" val="1"/>
+              <ma14:wrappingTextBoxFlag xmlns:ma14="http://schemas.microsoft.com/office/mac/drawingml/2011/main" xmlns:a14="http://schemas.microsoft.com/office/drawing/2010/main" xmlns:m="http://schemas.openxmlformats.org/officeDocument/2006/math" xmlns="" val="1"/>
             </a:ext>
           </a:extLst>
         </p:spPr>
@@ -2941,7 +2941,7 @@
           </a:ln>
           <a:extLst>
             <a:ext uri="{C572A759-6A51-4108-AA02-DFA0A04FC94B}">
-              <ma14:wrappingTextBoxFlag xmlns="" xmlns:m="http://schemas.openxmlformats.org/officeDocument/2006/math" xmlns:a14="http://schemas.microsoft.com/office/drawing/2010/main" xmlns:ma14="http://schemas.microsoft.com/office/mac/drawingml/2011/main" val="1"/>
+              <ma14:wrappingTextBoxFlag xmlns:ma14="http://schemas.microsoft.com/office/mac/drawingml/2011/main" xmlns:a14="http://schemas.microsoft.com/office/drawing/2010/main" xmlns:m="http://schemas.openxmlformats.org/officeDocument/2006/math" xmlns="" val="1"/>
             </a:ext>
           </a:extLst>
         </p:spPr>
@@ -3000,7 +3000,7 @@
           </a:ln>
           <a:extLst>
             <a:ext uri="{C572A759-6A51-4108-AA02-DFA0A04FC94B}">
-              <ma14:wrappingTextBoxFlag xmlns="" xmlns:m="http://schemas.openxmlformats.org/officeDocument/2006/math" xmlns:a14="http://schemas.microsoft.com/office/drawing/2010/main" xmlns:ma14="http://schemas.microsoft.com/office/mac/drawingml/2011/main" val="1"/>
+              <ma14:wrappingTextBoxFlag xmlns:ma14="http://schemas.microsoft.com/office/mac/drawingml/2011/main" xmlns:a14="http://schemas.microsoft.com/office/drawing/2010/main" xmlns:m="http://schemas.openxmlformats.org/officeDocument/2006/math" xmlns="" val="1"/>
             </a:ext>
           </a:extLst>
         </p:spPr>
@@ -3026,10 +3026,14 @@
           </a:lstStyle>
           <a:p>
             <a:r>
+              <a:rPr lang="ru-RU" dirty="0"/>
+              <a:t>Михаил </a:t>
+            </a:r>
+            <a:r>
               <a:rPr lang="ru-RU" dirty="0" smtClean="0"/>
-              <a:t>Лектор</a:t>
-            </a:r>
-            <a:endParaRPr dirty="0"/>
+              <a:t>Ларченко</a:t>
+            </a:r>
+            <a:endParaRPr lang="ru-RU" dirty="0"/>
           </a:p>
         </p:txBody>
       </p:sp>
@@ -3052,7 +3056,7 @@
           </a:ln>
           <a:extLst>
             <a:ext uri="{C572A759-6A51-4108-AA02-DFA0A04FC94B}">
-              <ma14:wrappingTextBoxFlag xmlns="" xmlns:m="http://schemas.openxmlformats.org/officeDocument/2006/math" xmlns:a14="http://schemas.microsoft.com/office/drawing/2010/main" xmlns:ma14="http://schemas.microsoft.com/office/mac/drawingml/2011/main" val="1"/>
+              <ma14:wrappingTextBoxFlag xmlns:ma14="http://schemas.microsoft.com/office/mac/drawingml/2011/main" xmlns:a14="http://schemas.microsoft.com/office/drawing/2010/main" xmlns:m="http://schemas.openxmlformats.org/officeDocument/2006/math" xmlns="" val="1"/>
             </a:ext>
           </a:extLst>
         </p:spPr>
@@ -3078,8 +3082,8 @@
           </a:lstStyle>
           <a:p>
             <a:r>
-              <a:rPr lang="ru-RU" dirty="0" smtClean="0"/>
-              <a:t>Должность</a:t>
+              <a:rPr lang="en-US" dirty="0"/>
+              <a:t>Tech Lead</a:t>
             </a:r>
             <a:endParaRPr dirty="0"/>
           </a:p>
@@ -3244,7 +3248,7 @@
           </a:ln>
           <a:extLst>
             <a:ext uri="{C572A759-6A51-4108-AA02-DFA0A04FC94B}">
-              <ma14:wrappingTextBoxFlag xmlns="" xmlns:m="http://schemas.openxmlformats.org/officeDocument/2006/math" xmlns:a14="http://schemas.microsoft.com/office/drawing/2010/main" xmlns:ma14="http://schemas.microsoft.com/office/mac/drawingml/2011/main" val="1"/>
+              <ma14:wrappingTextBoxFlag xmlns:ma14="http://schemas.microsoft.com/office/mac/drawingml/2011/main" xmlns:a14="http://schemas.microsoft.com/office/drawing/2010/main" xmlns:m="http://schemas.openxmlformats.org/officeDocument/2006/math" xmlns="" val="1"/>
             </a:ext>
           </a:extLst>
         </p:spPr>
@@ -3345,7 +3349,7 @@
           </a:ln>
           <a:extLst>
             <a:ext uri="{C572A759-6A51-4108-AA02-DFA0A04FC94B}">
-              <ma14:wrappingTextBoxFlag xmlns="" xmlns:m="http://schemas.openxmlformats.org/officeDocument/2006/math" xmlns:a14="http://schemas.microsoft.com/office/drawing/2010/main" xmlns:ma14="http://schemas.microsoft.com/office/mac/drawingml/2011/main" val="1"/>
+              <ma14:wrappingTextBoxFlag xmlns:ma14="http://schemas.microsoft.com/office/mac/drawingml/2011/main" xmlns:a14="http://schemas.microsoft.com/office/drawing/2010/main" xmlns:m="http://schemas.openxmlformats.org/officeDocument/2006/math" xmlns="" val="1"/>
             </a:ext>
           </a:extLst>
         </p:spPr>
@@ -3430,7 +3434,7 @@
           </a:ln>
           <a:extLst>
             <a:ext uri="{C572A759-6A51-4108-AA02-DFA0A04FC94B}">
-              <ma14:wrappingTextBoxFlag xmlns="" xmlns:m="http://schemas.openxmlformats.org/officeDocument/2006/math" xmlns:a14="http://schemas.microsoft.com/office/drawing/2010/main" xmlns:ma14="http://schemas.microsoft.com/office/mac/drawingml/2011/main" val="1"/>
+              <ma14:wrappingTextBoxFlag xmlns:ma14="http://schemas.microsoft.com/office/mac/drawingml/2011/main" xmlns:a14="http://schemas.microsoft.com/office/drawing/2010/main" xmlns:m="http://schemas.openxmlformats.org/officeDocument/2006/math" xmlns="" val="1"/>
             </a:ext>
           </a:extLst>
         </p:spPr>
@@ -3740,7 +3744,7 @@
           </a:ln>
           <a:extLst>
             <a:ext uri="{C572A759-6A51-4108-AA02-DFA0A04FC94B}">
-              <ma14:wrappingTextBoxFlag xmlns="" xmlns:m="http://schemas.openxmlformats.org/officeDocument/2006/math" xmlns:a14="http://schemas.microsoft.com/office/drawing/2010/main" xmlns:ma14="http://schemas.microsoft.com/office/mac/drawingml/2011/main" val="1"/>
+              <ma14:wrappingTextBoxFlag xmlns:ma14="http://schemas.microsoft.com/office/mac/drawingml/2011/main" xmlns:a14="http://schemas.microsoft.com/office/drawing/2010/main" xmlns:m="http://schemas.openxmlformats.org/officeDocument/2006/math" xmlns="" val="1"/>
             </a:ext>
           </a:extLst>
         </p:spPr>
@@ -3829,7 +3833,7 @@
           </a:ln>
           <a:extLst>
             <a:ext uri="{C572A759-6A51-4108-AA02-DFA0A04FC94B}">
-              <ma14:wrappingTextBoxFlag xmlns="" xmlns:m="http://schemas.openxmlformats.org/officeDocument/2006/math" xmlns:a14="http://schemas.microsoft.com/office/drawing/2010/main" xmlns:ma14="http://schemas.microsoft.com/office/mac/drawingml/2011/main" val="1"/>
+              <ma14:wrappingTextBoxFlag xmlns:ma14="http://schemas.microsoft.com/office/mac/drawingml/2011/main" xmlns:a14="http://schemas.microsoft.com/office/drawing/2010/main" xmlns:m="http://schemas.openxmlformats.org/officeDocument/2006/math" xmlns="" val="1"/>
             </a:ext>
           </a:extLst>
         </p:spPr>
@@ -3914,7 +3918,7 @@
           </a:ln>
           <a:extLst>
             <a:ext uri="{C572A759-6A51-4108-AA02-DFA0A04FC94B}">
-              <ma14:wrappingTextBoxFlag xmlns="" xmlns:m="http://schemas.openxmlformats.org/officeDocument/2006/math" xmlns:a14="http://schemas.microsoft.com/office/drawing/2010/main" xmlns:ma14="http://schemas.microsoft.com/office/mac/drawingml/2011/main" val="1"/>
+              <ma14:wrappingTextBoxFlag xmlns:ma14="http://schemas.microsoft.com/office/mac/drawingml/2011/main" xmlns:a14="http://schemas.microsoft.com/office/drawing/2010/main" xmlns:m="http://schemas.openxmlformats.org/officeDocument/2006/math" xmlns="" val="1"/>
             </a:ext>
           </a:extLst>
         </p:spPr>
@@ -4003,7 +4007,7 @@
             </a:ln>
             <a:extLst>
               <a:ext uri="{C572A759-6A51-4108-AA02-DFA0A04FC94B}">
-                <ma14:wrappingTextBoxFlag xmlns="" xmlns:m="http://schemas.openxmlformats.org/officeDocument/2006/math" xmlns:a14="http://schemas.microsoft.com/office/drawing/2010/main" xmlns:ma14="http://schemas.microsoft.com/office/mac/drawingml/2011/main" val="1"/>
+                <ma14:wrappingTextBoxFlag xmlns:ma14="http://schemas.microsoft.com/office/mac/drawingml/2011/main" xmlns:a14="http://schemas.microsoft.com/office/drawing/2010/main" xmlns:m="http://schemas.openxmlformats.org/officeDocument/2006/math" xmlns="" val="1"/>
               </a:ext>
             </a:extLst>
           </p:spPr>
@@ -4684,7 +4688,7 @@
           </a:ln>
           <a:extLst>
             <a:ext uri="{C572A759-6A51-4108-AA02-DFA0A04FC94B}">
-              <ma14:wrappingTextBoxFlag xmlns="" xmlns:m="http://schemas.openxmlformats.org/officeDocument/2006/math" xmlns:a14="http://schemas.microsoft.com/office/drawing/2010/main" xmlns:ma14="http://schemas.microsoft.com/office/mac/drawingml/2011/main" val="1"/>
+              <ma14:wrappingTextBoxFlag xmlns:ma14="http://schemas.microsoft.com/office/mac/drawingml/2011/main" xmlns:a14="http://schemas.microsoft.com/office/drawing/2010/main" xmlns:m="http://schemas.openxmlformats.org/officeDocument/2006/math" xmlns="" val="1"/>
             </a:ext>
           </a:extLst>
         </p:spPr>
@@ -4785,7 +4789,7 @@
           </a:ln>
           <a:extLst>
             <a:ext uri="{C572A759-6A51-4108-AA02-DFA0A04FC94B}">
-              <ma14:wrappingTextBoxFlag xmlns="" xmlns:m="http://schemas.openxmlformats.org/officeDocument/2006/math" xmlns:a14="http://schemas.microsoft.com/office/drawing/2010/main" xmlns:ma14="http://schemas.microsoft.com/office/mac/drawingml/2011/main" val="1"/>
+              <ma14:wrappingTextBoxFlag xmlns:ma14="http://schemas.microsoft.com/office/mac/drawingml/2011/main" xmlns:a14="http://schemas.microsoft.com/office/drawing/2010/main" xmlns:m="http://schemas.openxmlformats.org/officeDocument/2006/math" xmlns="" val="1"/>
             </a:ext>
           </a:extLst>
         </p:spPr>
@@ -4908,7 +4912,7 @@
           </a:ln>
           <a:extLst>
             <a:ext uri="{C572A759-6A51-4108-AA02-DFA0A04FC94B}">
-              <ma14:wrappingTextBoxFlag xmlns="" xmlns:m="http://schemas.openxmlformats.org/officeDocument/2006/math" xmlns:a14="http://schemas.microsoft.com/office/drawing/2010/main" xmlns:ma14="http://schemas.microsoft.com/office/mac/drawingml/2011/main" val="1"/>
+              <ma14:wrappingTextBoxFlag xmlns:ma14="http://schemas.microsoft.com/office/mac/drawingml/2011/main" xmlns:a14="http://schemas.microsoft.com/office/drawing/2010/main" xmlns:m="http://schemas.openxmlformats.org/officeDocument/2006/math" xmlns="" val="1"/>
             </a:ext>
           </a:extLst>
         </p:spPr>
@@ -5033,7 +5037,7 @@
           </a:ln>
           <a:extLst>
             <a:ext uri="{C572A759-6A51-4108-AA02-DFA0A04FC94B}">
-              <ma14:wrappingTextBoxFlag xmlns="" xmlns:m="http://schemas.openxmlformats.org/officeDocument/2006/math" xmlns:a14="http://schemas.microsoft.com/office/drawing/2010/main" xmlns:ma14="http://schemas.microsoft.com/office/mac/drawingml/2011/main" val="1"/>
+              <ma14:wrappingTextBoxFlag xmlns:ma14="http://schemas.microsoft.com/office/mac/drawingml/2011/main" xmlns:a14="http://schemas.microsoft.com/office/drawing/2010/main" xmlns:m="http://schemas.openxmlformats.org/officeDocument/2006/math" xmlns="" val="1"/>
             </a:ext>
           </a:extLst>
         </p:spPr>
@@ -5118,7 +5122,7 @@
           </a:ln>
           <a:extLst>
             <a:ext uri="{C572A759-6A51-4108-AA02-DFA0A04FC94B}">
-              <ma14:wrappingTextBoxFlag xmlns="" xmlns:m="http://schemas.openxmlformats.org/officeDocument/2006/math" xmlns:a14="http://schemas.microsoft.com/office/drawing/2010/main" xmlns:ma14="http://schemas.microsoft.com/office/mac/drawingml/2011/main" val="1"/>
+              <ma14:wrappingTextBoxFlag xmlns:ma14="http://schemas.microsoft.com/office/mac/drawingml/2011/main" xmlns:a14="http://schemas.microsoft.com/office/drawing/2010/main" xmlns:m="http://schemas.openxmlformats.org/officeDocument/2006/math" xmlns="" val="1"/>
             </a:ext>
           </a:extLst>
         </p:spPr>
@@ -5505,7 +5509,7 @@
           </a:ln>
           <a:extLst>
             <a:ext uri="{C572A759-6A51-4108-AA02-DFA0A04FC94B}">
-              <ma14:wrappingTextBoxFlag xmlns="" xmlns:m="http://schemas.openxmlformats.org/officeDocument/2006/math" xmlns:a14="http://schemas.microsoft.com/office/drawing/2010/main" xmlns:ma14="http://schemas.microsoft.com/office/mac/drawingml/2011/main" val="1"/>
+              <ma14:wrappingTextBoxFlag xmlns:ma14="http://schemas.microsoft.com/office/mac/drawingml/2011/main" xmlns:a14="http://schemas.microsoft.com/office/drawing/2010/main" xmlns:m="http://schemas.openxmlformats.org/officeDocument/2006/math" xmlns="" val="1"/>
             </a:ext>
           </a:extLst>
         </p:spPr>
@@ -5618,7 +5622,7 @@
           </a:ln>
           <a:extLst>
             <a:ext uri="{C572A759-6A51-4108-AA02-DFA0A04FC94B}">
-              <ma14:wrappingTextBoxFlag xmlns="" xmlns:m="http://schemas.openxmlformats.org/officeDocument/2006/math" xmlns:a14="http://schemas.microsoft.com/office/drawing/2010/main" xmlns:ma14="http://schemas.microsoft.com/office/mac/drawingml/2011/main" val="1"/>
+              <ma14:wrappingTextBoxFlag xmlns:ma14="http://schemas.microsoft.com/office/mac/drawingml/2011/main" xmlns:a14="http://schemas.microsoft.com/office/drawing/2010/main" xmlns:m="http://schemas.openxmlformats.org/officeDocument/2006/math" xmlns="" val="1"/>
             </a:ext>
           </a:extLst>
         </p:spPr>
@@ -5717,7 +5721,7 @@
             </a:ln>
             <a:extLst>
               <a:ext uri="{C572A759-6A51-4108-AA02-DFA0A04FC94B}">
-                <ma14:wrappingTextBoxFlag xmlns="" xmlns:m="http://schemas.openxmlformats.org/officeDocument/2006/math" xmlns:a14="http://schemas.microsoft.com/office/drawing/2010/main" xmlns:ma14="http://schemas.microsoft.com/office/mac/drawingml/2011/main" val="1"/>
+                <ma14:wrappingTextBoxFlag xmlns:ma14="http://schemas.microsoft.com/office/mac/drawingml/2011/main" xmlns:a14="http://schemas.microsoft.com/office/drawing/2010/main" xmlns:m="http://schemas.openxmlformats.org/officeDocument/2006/math" xmlns="" val="1"/>
               </a:ext>
             </a:extLst>
           </p:spPr>
@@ -6395,7 +6399,7 @@
           </a:ln>
           <a:extLst>
             <a:ext uri="{C572A759-6A51-4108-AA02-DFA0A04FC94B}">
-              <ma14:wrappingTextBoxFlag xmlns="" xmlns:m="http://schemas.openxmlformats.org/officeDocument/2006/math" xmlns:a14="http://schemas.microsoft.com/office/drawing/2010/main" xmlns:ma14="http://schemas.microsoft.com/office/mac/drawingml/2011/main" val="1"/>
+              <ma14:wrappingTextBoxFlag xmlns:ma14="http://schemas.microsoft.com/office/mac/drawingml/2011/main" xmlns:a14="http://schemas.microsoft.com/office/drawing/2010/main" xmlns:m="http://schemas.openxmlformats.org/officeDocument/2006/math" xmlns="" val="1"/>
             </a:ext>
           </a:extLst>
         </p:spPr>
@@ -6708,7 +6712,7 @@
           </a:ln>
           <a:extLst>
             <a:ext uri="{C572A759-6A51-4108-AA02-DFA0A04FC94B}">
-              <ma14:wrappingTextBoxFlag xmlns="" xmlns:m="http://schemas.openxmlformats.org/officeDocument/2006/math" xmlns:a14="http://schemas.microsoft.com/office/drawing/2010/main" xmlns:ma14="http://schemas.microsoft.com/office/mac/drawingml/2011/main" val="1"/>
+              <ma14:wrappingTextBoxFlag xmlns:ma14="http://schemas.microsoft.com/office/mac/drawingml/2011/main" xmlns:a14="http://schemas.microsoft.com/office/drawing/2010/main" xmlns:m="http://schemas.openxmlformats.org/officeDocument/2006/math" xmlns="" val="1"/>
             </a:ext>
           </a:extLst>
         </p:spPr>
@@ -6802,7 +6806,7 @@
           </a:ln>
           <a:extLst>
             <a:ext uri="{C572A759-6A51-4108-AA02-DFA0A04FC94B}">
-              <ma14:wrappingTextBoxFlag xmlns="" xmlns:m="http://schemas.openxmlformats.org/officeDocument/2006/math" xmlns:a14="http://schemas.microsoft.com/office/drawing/2010/main" xmlns:ma14="http://schemas.microsoft.com/office/mac/drawingml/2011/main" val="1"/>
+              <ma14:wrappingTextBoxFlag xmlns:ma14="http://schemas.microsoft.com/office/mac/drawingml/2011/main" xmlns:a14="http://schemas.microsoft.com/office/drawing/2010/main" xmlns:m="http://schemas.openxmlformats.org/officeDocument/2006/math" xmlns="" val="1"/>
             </a:ext>
           </a:extLst>
         </p:spPr>
@@ -6995,7 +6999,7 @@
           </a:ln>
           <a:extLst>
             <a:ext uri="{C572A759-6A51-4108-AA02-DFA0A04FC94B}">
-              <ma14:wrappingTextBoxFlag xmlns="" xmlns:m="http://schemas.openxmlformats.org/officeDocument/2006/math" xmlns:a14="http://schemas.microsoft.com/office/drawing/2010/main" xmlns:ma14="http://schemas.microsoft.com/office/mac/drawingml/2011/main" val="1"/>
+              <ma14:wrappingTextBoxFlag xmlns:ma14="http://schemas.microsoft.com/office/mac/drawingml/2011/main" xmlns:a14="http://schemas.microsoft.com/office/drawing/2010/main" xmlns:m="http://schemas.openxmlformats.org/officeDocument/2006/math" xmlns="" val="1"/>
             </a:ext>
           </a:extLst>
         </p:spPr>
@@ -7067,7 +7071,7 @@
           </a:ln>
           <a:extLst>
             <a:ext uri="{C572A759-6A51-4108-AA02-DFA0A04FC94B}">
-              <ma14:wrappingTextBoxFlag xmlns="" xmlns:m="http://schemas.openxmlformats.org/officeDocument/2006/math" xmlns:a14="http://schemas.microsoft.com/office/drawing/2010/main" xmlns:ma14="http://schemas.microsoft.com/office/mac/drawingml/2011/main" val="1"/>
+              <ma14:wrappingTextBoxFlag xmlns:ma14="http://schemas.microsoft.com/office/mac/drawingml/2011/main" xmlns:a14="http://schemas.microsoft.com/office/drawing/2010/main" xmlns:m="http://schemas.openxmlformats.org/officeDocument/2006/math" xmlns="" val="1"/>
             </a:ext>
           </a:extLst>
         </p:spPr>
@@ -7144,7 +7148,7 @@
           </a:ln>
           <a:extLst>
             <a:ext uri="{C572A759-6A51-4108-AA02-DFA0A04FC94B}">
-              <ma14:wrappingTextBoxFlag xmlns="" xmlns:m="http://schemas.openxmlformats.org/officeDocument/2006/math" xmlns:a14="http://schemas.microsoft.com/office/drawing/2010/main" xmlns:ma14="http://schemas.microsoft.com/office/mac/drawingml/2011/main" val="1"/>
+              <ma14:wrappingTextBoxFlag xmlns:ma14="http://schemas.microsoft.com/office/mac/drawingml/2011/main" xmlns:a14="http://schemas.microsoft.com/office/drawing/2010/main" xmlns:m="http://schemas.openxmlformats.org/officeDocument/2006/math" xmlns="" val="1"/>
             </a:ext>
           </a:extLst>
         </p:spPr>
@@ -7576,7 +7580,7 @@
           </a:ln>
           <a:extLst>
             <a:ext uri="{C572A759-6A51-4108-AA02-DFA0A04FC94B}">
-              <ma14:wrappingTextBoxFlag xmlns="" xmlns:m="http://schemas.openxmlformats.org/officeDocument/2006/math" xmlns:a14="http://schemas.microsoft.com/office/drawing/2010/main" xmlns:ma14="http://schemas.microsoft.com/office/mac/drawingml/2011/main" val="1"/>
+              <ma14:wrappingTextBoxFlag xmlns:ma14="http://schemas.microsoft.com/office/mac/drawingml/2011/main" xmlns:a14="http://schemas.microsoft.com/office/drawing/2010/main" xmlns:m="http://schemas.openxmlformats.org/officeDocument/2006/math" xmlns="" val="1"/>
             </a:ext>
           </a:extLst>
         </p:spPr>
@@ -7662,7 +7666,7 @@
           </a:ln>
           <a:extLst>
             <a:ext uri="{C572A759-6A51-4108-AA02-DFA0A04FC94B}">
-              <ma14:wrappingTextBoxFlag xmlns="" xmlns:m="http://schemas.openxmlformats.org/officeDocument/2006/math" xmlns:a14="http://schemas.microsoft.com/office/drawing/2010/main" xmlns:ma14="http://schemas.microsoft.com/office/mac/drawingml/2011/main" val="1"/>
+              <ma14:wrappingTextBoxFlag xmlns:ma14="http://schemas.microsoft.com/office/mac/drawingml/2011/main" xmlns:a14="http://schemas.microsoft.com/office/drawing/2010/main" xmlns:m="http://schemas.openxmlformats.org/officeDocument/2006/math" xmlns="" val="1"/>
             </a:ext>
           </a:extLst>
         </p:spPr>
@@ -7868,7 +7872,7 @@
           </a:ln>
           <a:extLst>
             <a:ext uri="{C572A759-6A51-4108-AA02-DFA0A04FC94B}">
-              <ma14:wrappingTextBoxFlag xmlns="" xmlns:m="http://schemas.openxmlformats.org/officeDocument/2006/math" xmlns:a14="http://schemas.microsoft.com/office/drawing/2010/main" xmlns:ma14="http://schemas.microsoft.com/office/mac/drawingml/2011/main" val="1"/>
+              <ma14:wrappingTextBoxFlag xmlns:ma14="http://schemas.microsoft.com/office/mac/drawingml/2011/main" xmlns:a14="http://schemas.microsoft.com/office/drawing/2010/main" xmlns:m="http://schemas.openxmlformats.org/officeDocument/2006/math" xmlns="" val="1"/>
             </a:ext>
           </a:extLst>
         </p:spPr>
@@ -7940,7 +7944,7 @@
           </a:ln>
           <a:extLst>
             <a:ext uri="{C572A759-6A51-4108-AA02-DFA0A04FC94B}">
-              <ma14:wrappingTextBoxFlag xmlns="" xmlns:m="http://schemas.openxmlformats.org/officeDocument/2006/math" xmlns:a14="http://schemas.microsoft.com/office/drawing/2010/main" xmlns:ma14="http://schemas.microsoft.com/office/mac/drawingml/2011/main" val="1"/>
+              <ma14:wrappingTextBoxFlag xmlns:ma14="http://schemas.microsoft.com/office/mac/drawingml/2011/main" xmlns:a14="http://schemas.microsoft.com/office/drawing/2010/main" xmlns:m="http://schemas.openxmlformats.org/officeDocument/2006/math" xmlns="" val="1"/>
             </a:ext>
           </a:extLst>
         </p:spPr>
@@ -8078,7 +8082,7 @@
             </a:ln>
             <a:extLst>
               <a:ext uri="{C572A759-6A51-4108-AA02-DFA0A04FC94B}">
-                <ma14:wrappingTextBoxFlag xmlns="" xmlns:m="http://schemas.openxmlformats.org/officeDocument/2006/math" xmlns:a14="http://schemas.microsoft.com/office/drawing/2010/main" xmlns:ma14="http://schemas.microsoft.com/office/mac/drawingml/2011/main" val="1"/>
+                <ma14:wrappingTextBoxFlag xmlns:ma14="http://schemas.microsoft.com/office/mac/drawingml/2011/main" xmlns:a14="http://schemas.microsoft.com/office/drawing/2010/main" xmlns:m="http://schemas.openxmlformats.org/officeDocument/2006/math" xmlns="" val="1"/>
               </a:ext>
             </a:extLst>
           </p:spPr>
@@ -8553,7 +8557,7 @@
           </a:ln>
           <a:extLst>
             <a:ext uri="{C572A759-6A51-4108-AA02-DFA0A04FC94B}">
-              <ma14:wrappingTextBoxFlag xmlns="" xmlns:m="http://schemas.openxmlformats.org/officeDocument/2006/math" xmlns:a14="http://schemas.microsoft.com/office/drawing/2010/main" xmlns:ma14="http://schemas.microsoft.com/office/mac/drawingml/2011/main" val="1"/>
+              <ma14:wrappingTextBoxFlag xmlns:ma14="http://schemas.microsoft.com/office/mac/drawingml/2011/main" xmlns:a14="http://schemas.microsoft.com/office/drawing/2010/main" xmlns:m="http://schemas.openxmlformats.org/officeDocument/2006/math" xmlns="" val="1"/>
             </a:ext>
           </a:extLst>
         </p:spPr>
@@ -8639,7 +8643,7 @@
           </a:ln>
           <a:extLst>
             <a:ext uri="{C572A759-6A51-4108-AA02-DFA0A04FC94B}">
-              <ma14:wrappingTextBoxFlag xmlns="" xmlns:m="http://schemas.openxmlformats.org/officeDocument/2006/math" xmlns:a14="http://schemas.microsoft.com/office/drawing/2010/main" xmlns:ma14="http://schemas.microsoft.com/office/mac/drawingml/2011/main" val="1"/>
+              <ma14:wrappingTextBoxFlag xmlns:ma14="http://schemas.microsoft.com/office/mac/drawingml/2011/main" xmlns:a14="http://schemas.microsoft.com/office/drawing/2010/main" xmlns:m="http://schemas.openxmlformats.org/officeDocument/2006/math" xmlns="" val="1"/>
             </a:ext>
           </a:extLst>
         </p:spPr>
@@ -8792,7 +8796,7 @@
           </a:ln>
           <a:extLst>
             <a:ext uri="{C572A759-6A51-4108-AA02-DFA0A04FC94B}">
-              <ma14:wrappingTextBoxFlag xmlns="" xmlns:m="http://schemas.openxmlformats.org/officeDocument/2006/math" xmlns:a14="http://schemas.microsoft.com/office/drawing/2010/main" xmlns:ma14="http://schemas.microsoft.com/office/mac/drawingml/2011/main" val="1"/>
+              <ma14:wrappingTextBoxFlag xmlns:ma14="http://schemas.microsoft.com/office/mac/drawingml/2011/main" xmlns:a14="http://schemas.microsoft.com/office/drawing/2010/main" xmlns:m="http://schemas.openxmlformats.org/officeDocument/2006/math" xmlns="" val="1"/>
             </a:ext>
           </a:extLst>
         </p:spPr>
@@ -8852,7 +8856,7 @@
           </a:ln>
           <a:extLst>
             <a:ext uri="{C572A759-6A51-4108-AA02-DFA0A04FC94B}">
-              <ma14:wrappingTextBoxFlag xmlns="" xmlns:m="http://schemas.openxmlformats.org/officeDocument/2006/math" xmlns:a14="http://schemas.microsoft.com/office/drawing/2010/main" xmlns:ma14="http://schemas.microsoft.com/office/mac/drawingml/2011/main" val="1"/>
+              <ma14:wrappingTextBoxFlag xmlns:ma14="http://schemas.microsoft.com/office/mac/drawingml/2011/main" xmlns:a14="http://schemas.microsoft.com/office/drawing/2010/main" xmlns:m="http://schemas.openxmlformats.org/officeDocument/2006/math" xmlns="" val="1"/>
             </a:ext>
           </a:extLst>
         </p:spPr>
@@ -8952,7 +8956,7 @@
           </a:ln>
           <a:extLst>
             <a:ext uri="{C572A759-6A51-4108-AA02-DFA0A04FC94B}">
-              <ma14:wrappingTextBoxFlag xmlns="" xmlns:m="http://schemas.openxmlformats.org/officeDocument/2006/math" xmlns:a14="http://schemas.microsoft.com/office/drawing/2010/main" xmlns:ma14="http://schemas.microsoft.com/office/mac/drawingml/2011/main" val="1"/>
+              <ma14:wrappingTextBoxFlag xmlns:ma14="http://schemas.microsoft.com/office/mac/drawingml/2011/main" xmlns:a14="http://schemas.microsoft.com/office/drawing/2010/main" xmlns:m="http://schemas.openxmlformats.org/officeDocument/2006/math" xmlns="" val="1"/>
             </a:ext>
           </a:extLst>
         </p:spPr>
@@ -9270,7 +9274,7 @@
           </a:ln>
           <a:extLst>
             <a:ext uri="{C572A759-6A51-4108-AA02-DFA0A04FC94B}">
-              <ma14:wrappingTextBoxFlag xmlns="" xmlns:m="http://schemas.openxmlformats.org/officeDocument/2006/math" xmlns:a14="http://schemas.microsoft.com/office/drawing/2010/main" xmlns:ma14="http://schemas.microsoft.com/office/mac/drawingml/2011/main" val="1"/>
+              <ma14:wrappingTextBoxFlag xmlns:ma14="http://schemas.microsoft.com/office/mac/drawingml/2011/main" xmlns:a14="http://schemas.microsoft.com/office/drawing/2010/main" xmlns:m="http://schemas.openxmlformats.org/officeDocument/2006/math" xmlns="" val="1"/>
             </a:ext>
           </a:extLst>
         </p:spPr>
@@ -9352,7 +9356,7 @@
           </a:ln>
           <a:extLst>
             <a:ext uri="{C572A759-6A51-4108-AA02-DFA0A04FC94B}">
-              <ma14:wrappingTextBoxFlag xmlns="" xmlns:m="http://schemas.openxmlformats.org/officeDocument/2006/math" xmlns:a14="http://schemas.microsoft.com/office/drawing/2010/main" xmlns:ma14="http://schemas.microsoft.com/office/mac/drawingml/2011/main" val="1"/>
+              <ma14:wrappingTextBoxFlag xmlns:ma14="http://schemas.microsoft.com/office/mac/drawingml/2011/main" xmlns:a14="http://schemas.microsoft.com/office/drawing/2010/main" xmlns:m="http://schemas.openxmlformats.org/officeDocument/2006/math" xmlns="" val="1"/>
             </a:ext>
           </a:extLst>
         </p:spPr>
@@ -9423,7 +9427,7 @@
           </a:ln>
           <a:extLst>
             <a:ext uri="{C572A759-6A51-4108-AA02-DFA0A04FC94B}">
-              <ma14:wrappingTextBoxFlag xmlns="" xmlns:m="http://schemas.openxmlformats.org/officeDocument/2006/math" xmlns:a14="http://schemas.microsoft.com/office/drawing/2010/main" xmlns:ma14="http://schemas.microsoft.com/office/mac/drawingml/2011/main" val="1"/>
+              <ma14:wrappingTextBoxFlag xmlns:ma14="http://schemas.microsoft.com/office/mac/drawingml/2011/main" xmlns:a14="http://schemas.microsoft.com/office/drawing/2010/main" xmlns:m="http://schemas.openxmlformats.org/officeDocument/2006/math" xmlns="" val="1"/>
             </a:ext>
           </a:extLst>
         </p:spPr>
@@ -9483,7 +9487,7 @@
           </a:ln>
           <a:extLst>
             <a:ext uri="{C572A759-6A51-4108-AA02-DFA0A04FC94B}">
-              <ma14:wrappingTextBoxFlag xmlns="" xmlns:m="http://schemas.openxmlformats.org/officeDocument/2006/math" xmlns:a14="http://schemas.microsoft.com/office/drawing/2010/main" xmlns:ma14="http://schemas.microsoft.com/office/mac/drawingml/2011/main" val="1"/>
+              <ma14:wrappingTextBoxFlag xmlns:ma14="http://schemas.microsoft.com/office/mac/drawingml/2011/main" xmlns:a14="http://schemas.microsoft.com/office/drawing/2010/main" xmlns:m="http://schemas.openxmlformats.org/officeDocument/2006/math" xmlns="" val="1"/>
             </a:ext>
           </a:extLst>
         </p:spPr>
@@ -9726,7 +9730,7 @@
           </a:ln>
           <a:extLst>
             <a:ext uri="{C572A759-6A51-4108-AA02-DFA0A04FC94B}">
-              <ma14:wrappingTextBoxFlag xmlns="" xmlns:m="http://schemas.openxmlformats.org/officeDocument/2006/math" xmlns:a14="http://schemas.microsoft.com/office/drawing/2010/main" xmlns:ma14="http://schemas.microsoft.com/office/mac/drawingml/2011/main" val="1"/>
+              <ma14:wrappingTextBoxFlag xmlns:ma14="http://schemas.microsoft.com/office/mac/drawingml/2011/main" xmlns:a14="http://schemas.microsoft.com/office/drawing/2010/main" xmlns:m="http://schemas.openxmlformats.org/officeDocument/2006/math" xmlns="" val="1"/>
             </a:ext>
           </a:extLst>
         </p:spPr>
@@ -9807,7 +9811,7 @@
           </a:ln>
           <a:extLst>
             <a:ext uri="{C572A759-6A51-4108-AA02-DFA0A04FC94B}">
-              <ma14:wrappingTextBoxFlag xmlns="" xmlns:m="http://schemas.openxmlformats.org/officeDocument/2006/math" xmlns:a14="http://schemas.microsoft.com/office/drawing/2010/main" xmlns:ma14="http://schemas.microsoft.com/office/mac/drawingml/2011/main" val="1"/>
+              <ma14:wrappingTextBoxFlag xmlns:ma14="http://schemas.microsoft.com/office/mac/drawingml/2011/main" xmlns:a14="http://schemas.microsoft.com/office/drawing/2010/main" xmlns:m="http://schemas.openxmlformats.org/officeDocument/2006/math" xmlns="" val="1"/>
             </a:ext>
           </a:extLst>
         </p:spPr>
@@ -9879,7 +9883,7 @@
           </a:ln>
           <a:extLst>
             <a:ext uri="{C572A759-6A51-4108-AA02-DFA0A04FC94B}">
-              <ma14:wrappingTextBoxFlag xmlns="" xmlns:m="http://schemas.openxmlformats.org/officeDocument/2006/math" xmlns:a14="http://schemas.microsoft.com/office/drawing/2010/main" xmlns:ma14="http://schemas.microsoft.com/office/mac/drawingml/2011/main" val="1"/>
+              <ma14:wrappingTextBoxFlag xmlns:ma14="http://schemas.microsoft.com/office/mac/drawingml/2011/main" xmlns:a14="http://schemas.microsoft.com/office/drawing/2010/main" xmlns:m="http://schemas.openxmlformats.org/officeDocument/2006/math" xmlns="" val="1"/>
             </a:ext>
           </a:extLst>
         </p:spPr>
@@ -9970,7 +9974,7 @@
             </a:ln>
             <a:extLst>
               <a:ext uri="{C572A759-6A51-4108-AA02-DFA0A04FC94B}">
-                <ma14:wrappingTextBoxFlag xmlns="" xmlns:m="http://schemas.openxmlformats.org/officeDocument/2006/math" xmlns:a14="http://schemas.microsoft.com/office/drawing/2010/main" xmlns:ma14="http://schemas.microsoft.com/office/mac/drawingml/2011/main" val="1"/>
+                <ma14:wrappingTextBoxFlag xmlns:ma14="http://schemas.microsoft.com/office/mac/drawingml/2011/main" xmlns:a14="http://schemas.microsoft.com/office/drawing/2010/main" xmlns:m="http://schemas.openxmlformats.org/officeDocument/2006/math" xmlns="" val="1"/>
               </a:ext>
             </a:extLst>
           </p:spPr>
@@ -10625,7 +10629,7 @@
           </a:ln>
           <a:extLst>
             <a:ext uri="{C572A759-6A51-4108-AA02-DFA0A04FC94B}">
-              <ma14:wrappingTextBoxFlag xmlns="" xmlns:m="http://schemas.openxmlformats.org/officeDocument/2006/math" xmlns:a14="http://schemas.microsoft.com/office/drawing/2010/main" xmlns:ma14="http://schemas.microsoft.com/office/mac/drawingml/2011/main" val="1"/>
+              <ma14:wrappingTextBoxFlag xmlns:ma14="http://schemas.microsoft.com/office/mac/drawingml/2011/main" xmlns:a14="http://schemas.microsoft.com/office/drawing/2010/main" xmlns:m="http://schemas.openxmlformats.org/officeDocument/2006/math" xmlns="" val="1"/>
             </a:ext>
           </a:extLst>
         </p:spPr>
@@ -10651,8 +10655,8 @@
           </a:lstStyle>
           <a:p>
             <a:r>
-              <a:rPr lang="ru-RU" dirty="0" smtClean="0"/>
-              <a:t>Должность</a:t>
+              <a:rPr lang="en-US" dirty="0"/>
+              <a:t>Tech Lead</a:t>
             </a:r>
             <a:endParaRPr dirty="0"/>
           </a:p>
@@ -10677,7 +10681,7 @@
           </a:ln>
           <a:extLst>
             <a:ext uri="{C572A759-6A51-4108-AA02-DFA0A04FC94B}">
-              <ma14:wrappingTextBoxFlag xmlns="" xmlns:m="http://schemas.openxmlformats.org/officeDocument/2006/math" xmlns:a14="http://schemas.microsoft.com/office/drawing/2010/main" xmlns:ma14="http://schemas.microsoft.com/office/mac/drawingml/2011/main" val="1"/>
+              <ma14:wrappingTextBoxFlag xmlns:ma14="http://schemas.microsoft.com/office/mac/drawingml/2011/main" xmlns:a14="http://schemas.microsoft.com/office/drawing/2010/main" xmlns:m="http://schemas.openxmlformats.org/officeDocument/2006/math" xmlns="" val="1"/>
             </a:ext>
           </a:extLst>
         </p:spPr>
@@ -10703,8 +10707,8 @@
           </a:lstStyle>
           <a:p>
             <a:r>
-              <a:rPr lang="ru-RU" dirty="0" smtClean="0"/>
-              <a:t>Лектор</a:t>
+              <a:rPr lang="ru-RU" dirty="0"/>
+              <a:t>Михаил Ларченко</a:t>
             </a:r>
             <a:endParaRPr dirty="0"/>
           </a:p>
@@ -10770,7 +10774,7 @@
       </p:pic>
       <p:pic>
         <p:nvPicPr>
-          <p:cNvPr id="3" name="Рисунок 2"/>
+          <p:cNvPr id="2" name="Рисунок 1"/>
           <p:cNvPicPr>
             <a:picLocks noChangeAspect="1"/>
           </p:cNvPicPr>
@@ -10790,8 +10794,8 @@
         </p:blipFill>
         <p:spPr>
           <a:xfrm>
-            <a:off x="6128716" y="4742263"/>
-            <a:ext cx="3879687" cy="3794315"/>
+            <a:off x="6110730" y="4736131"/>
+            <a:ext cx="3885957" cy="3800447"/>
           </a:xfrm>
           <a:prstGeom prst="rect">
             <a:avLst/>
@@ -10850,7 +10854,7 @@
           </a:ln>
           <a:extLst>
             <a:ext uri="{C572A759-6A51-4108-AA02-DFA0A04FC94B}">
-              <ma14:wrappingTextBoxFlag xmlns="" xmlns:m="http://schemas.openxmlformats.org/officeDocument/2006/math" xmlns:a14="http://schemas.microsoft.com/office/drawing/2010/main" xmlns:ma14="http://schemas.microsoft.com/office/mac/drawingml/2011/main" val="1"/>
+              <ma14:wrappingTextBoxFlag xmlns:ma14="http://schemas.microsoft.com/office/mac/drawingml/2011/main" xmlns:a14="http://schemas.microsoft.com/office/drawing/2010/main" xmlns:m="http://schemas.openxmlformats.org/officeDocument/2006/math" xmlns="" val="1"/>
             </a:ext>
           </a:extLst>
         </p:spPr>
@@ -11190,7 +11194,7 @@
           </a:ln>
           <a:extLst>
             <a:ext uri="{C572A759-6A51-4108-AA02-DFA0A04FC94B}">
-              <ma14:wrappingTextBoxFlag xmlns="" xmlns:m="http://schemas.openxmlformats.org/officeDocument/2006/math" xmlns:a14="http://schemas.microsoft.com/office/drawing/2010/main" xmlns:ma14="http://schemas.microsoft.com/office/mac/drawingml/2011/main" val="1"/>
+              <ma14:wrappingTextBoxFlag xmlns:ma14="http://schemas.microsoft.com/office/mac/drawingml/2011/main" xmlns:a14="http://schemas.microsoft.com/office/drawing/2010/main" xmlns:m="http://schemas.openxmlformats.org/officeDocument/2006/math" xmlns="" val="1"/>
             </a:ext>
           </a:extLst>
         </p:spPr>
@@ -11272,7 +11276,7 @@
           </a:ln>
           <a:extLst>
             <a:ext uri="{C572A759-6A51-4108-AA02-DFA0A04FC94B}">
-              <ma14:wrappingTextBoxFlag xmlns="" xmlns:m="http://schemas.openxmlformats.org/officeDocument/2006/math" xmlns:a14="http://schemas.microsoft.com/office/drawing/2010/main" xmlns:ma14="http://schemas.microsoft.com/office/mac/drawingml/2011/main" val="1"/>
+              <ma14:wrappingTextBoxFlag xmlns:ma14="http://schemas.microsoft.com/office/mac/drawingml/2011/main" xmlns:a14="http://schemas.microsoft.com/office/drawing/2010/main" xmlns:m="http://schemas.openxmlformats.org/officeDocument/2006/math" xmlns="" val="1"/>
             </a:ext>
           </a:extLst>
         </p:spPr>
@@ -11366,7 +11370,7 @@
           </a:ln>
           <a:extLst>
             <a:ext uri="{C572A759-6A51-4108-AA02-DFA0A04FC94B}">
-              <ma14:wrappingTextBoxFlag xmlns="" xmlns:m="http://schemas.openxmlformats.org/officeDocument/2006/math" xmlns:a14="http://schemas.microsoft.com/office/drawing/2010/main" xmlns:ma14="http://schemas.microsoft.com/office/mac/drawingml/2011/main" val="1"/>
+              <ma14:wrappingTextBoxFlag xmlns:ma14="http://schemas.microsoft.com/office/mac/drawingml/2011/main" xmlns:a14="http://schemas.microsoft.com/office/drawing/2010/main" xmlns:m="http://schemas.openxmlformats.org/officeDocument/2006/math" xmlns="" val="1"/>
             </a:ext>
           </a:extLst>
         </p:spPr>
@@ -11508,7 +11512,7 @@
           </a:ln>
           <a:extLst>
             <a:ext uri="{C572A759-6A51-4108-AA02-DFA0A04FC94B}">
-              <ma14:wrappingTextBoxFlag xmlns="" xmlns:m="http://schemas.openxmlformats.org/officeDocument/2006/math" xmlns:a14="http://schemas.microsoft.com/office/drawing/2010/main" xmlns:ma14="http://schemas.microsoft.com/office/mac/drawingml/2011/main" val="1"/>
+              <ma14:wrappingTextBoxFlag xmlns:ma14="http://schemas.microsoft.com/office/mac/drawingml/2011/main" xmlns:a14="http://schemas.microsoft.com/office/drawing/2010/main" xmlns:m="http://schemas.openxmlformats.org/officeDocument/2006/math" xmlns="" val="1"/>
             </a:ext>
           </a:extLst>
         </p:spPr>
@@ -11595,7 +11599,7 @@
           </a:ln>
           <a:extLst>
             <a:ext uri="{C572A759-6A51-4108-AA02-DFA0A04FC94B}">
-              <ma14:wrappingTextBoxFlag xmlns="" xmlns:m="http://schemas.openxmlformats.org/officeDocument/2006/math" xmlns:a14="http://schemas.microsoft.com/office/drawing/2010/main" xmlns:ma14="http://schemas.microsoft.com/office/mac/drawingml/2011/main" val="1"/>
+              <ma14:wrappingTextBoxFlag xmlns:ma14="http://schemas.microsoft.com/office/mac/drawingml/2011/main" xmlns:a14="http://schemas.microsoft.com/office/drawing/2010/main" xmlns:m="http://schemas.openxmlformats.org/officeDocument/2006/math" xmlns="" val="1"/>
             </a:ext>
           </a:extLst>
         </p:spPr>
@@ -12069,7 +12073,7 @@
           </a:ln>
           <a:extLst>
             <a:ext uri="{C572A759-6A51-4108-AA02-DFA0A04FC94B}">
-              <ma14:wrappingTextBoxFlag xmlns="" xmlns:m="http://schemas.openxmlformats.org/officeDocument/2006/math" xmlns:a14="http://schemas.microsoft.com/office/drawing/2010/main" xmlns:ma14="http://schemas.microsoft.com/office/mac/drawingml/2011/main" val="1"/>
+              <ma14:wrappingTextBoxFlag xmlns:ma14="http://schemas.microsoft.com/office/mac/drawingml/2011/main" xmlns:a14="http://schemas.microsoft.com/office/drawing/2010/main" xmlns:m="http://schemas.openxmlformats.org/officeDocument/2006/math" xmlns="" val="1"/>
             </a:ext>
           </a:extLst>
         </p:spPr>
@@ -12155,7 +12159,7 @@
           </a:ln>
           <a:extLst>
             <a:ext uri="{C572A759-6A51-4108-AA02-DFA0A04FC94B}">
-              <ma14:wrappingTextBoxFlag xmlns="" xmlns:m="http://schemas.openxmlformats.org/officeDocument/2006/math" xmlns:a14="http://schemas.microsoft.com/office/drawing/2010/main" xmlns:ma14="http://schemas.microsoft.com/office/mac/drawingml/2011/main" val="1"/>
+              <ma14:wrappingTextBoxFlag xmlns:ma14="http://schemas.microsoft.com/office/mac/drawingml/2011/main" xmlns:a14="http://schemas.microsoft.com/office/drawing/2010/main" xmlns:m="http://schemas.openxmlformats.org/officeDocument/2006/math" xmlns="" val="1"/>
             </a:ext>
           </a:extLst>
         </p:spPr>
@@ -12240,7 +12244,7 @@
           </a:ln>
           <a:extLst>
             <a:ext uri="{C572A759-6A51-4108-AA02-DFA0A04FC94B}">
-              <ma14:wrappingTextBoxFlag xmlns="" xmlns:m="http://schemas.openxmlformats.org/officeDocument/2006/math" xmlns:a14="http://schemas.microsoft.com/office/drawing/2010/main" xmlns:ma14="http://schemas.microsoft.com/office/mac/drawingml/2011/main" val="1"/>
+              <ma14:wrappingTextBoxFlag xmlns:ma14="http://schemas.microsoft.com/office/mac/drawingml/2011/main" xmlns:a14="http://schemas.microsoft.com/office/drawing/2010/main" xmlns:m="http://schemas.openxmlformats.org/officeDocument/2006/math" xmlns="" val="1"/>
             </a:ext>
           </a:extLst>
         </p:spPr>
@@ -12379,7 +12383,7 @@
           </a:ln>
           <a:extLst>
             <a:ext uri="{C572A759-6A51-4108-AA02-DFA0A04FC94B}">
-              <ma14:wrappingTextBoxFlag xmlns="" xmlns:m="http://schemas.openxmlformats.org/officeDocument/2006/math" xmlns:a14="http://schemas.microsoft.com/office/drawing/2010/main" xmlns:ma14="http://schemas.microsoft.com/office/mac/drawingml/2011/main" val="1"/>
+              <ma14:wrappingTextBoxFlag xmlns:ma14="http://schemas.microsoft.com/office/mac/drawingml/2011/main" xmlns:a14="http://schemas.microsoft.com/office/drawing/2010/main" xmlns:m="http://schemas.openxmlformats.org/officeDocument/2006/math" xmlns="" val="1"/>
             </a:ext>
           </a:extLst>
         </p:spPr>
@@ -12466,7 +12470,7 @@
           </a:ln>
           <a:extLst>
             <a:ext uri="{C572A759-6A51-4108-AA02-DFA0A04FC94B}">
-              <ma14:wrappingTextBoxFlag xmlns="" xmlns:m="http://schemas.openxmlformats.org/officeDocument/2006/math" xmlns:a14="http://schemas.microsoft.com/office/drawing/2010/main" xmlns:ma14="http://schemas.microsoft.com/office/mac/drawingml/2011/main" val="1"/>
+              <ma14:wrappingTextBoxFlag xmlns:ma14="http://schemas.microsoft.com/office/mac/drawingml/2011/main" xmlns:a14="http://schemas.microsoft.com/office/drawing/2010/main" xmlns:m="http://schemas.openxmlformats.org/officeDocument/2006/math" xmlns="" val="1"/>
             </a:ext>
           </a:extLst>
         </p:spPr>
@@ -12717,7 +12721,7 @@
           </a:ln>
           <a:extLst>
             <a:ext uri="{C572A759-6A51-4108-AA02-DFA0A04FC94B}">
-              <ma14:wrappingTextBoxFlag xmlns="" xmlns:m="http://schemas.openxmlformats.org/officeDocument/2006/math" xmlns:a14="http://schemas.microsoft.com/office/drawing/2010/main" xmlns:ma14="http://schemas.microsoft.com/office/mac/drawingml/2011/main" val="1"/>
+              <ma14:wrappingTextBoxFlag xmlns:ma14="http://schemas.microsoft.com/office/mac/drawingml/2011/main" xmlns:a14="http://schemas.microsoft.com/office/drawing/2010/main" xmlns:m="http://schemas.openxmlformats.org/officeDocument/2006/math" xmlns="" val="1"/>
             </a:ext>
           </a:extLst>
         </p:spPr>
@@ -13126,7 +13130,7 @@
           </a:ln>
           <a:extLst>
             <a:ext uri="{C572A759-6A51-4108-AA02-DFA0A04FC94B}">
-              <ma14:wrappingTextBoxFlag xmlns="" xmlns:m="http://schemas.openxmlformats.org/officeDocument/2006/math" xmlns:a14="http://schemas.microsoft.com/office/drawing/2010/main" xmlns:ma14="http://schemas.microsoft.com/office/mac/drawingml/2011/main" val="1"/>
+              <ma14:wrappingTextBoxFlag xmlns:ma14="http://schemas.microsoft.com/office/mac/drawingml/2011/main" xmlns:a14="http://schemas.microsoft.com/office/drawing/2010/main" xmlns:m="http://schemas.openxmlformats.org/officeDocument/2006/math" xmlns="" val="1"/>
             </a:ext>
           </a:extLst>
         </p:spPr>
@@ -13208,7 +13212,7 @@
           </a:ln>
           <a:extLst>
             <a:ext uri="{C572A759-6A51-4108-AA02-DFA0A04FC94B}">
-              <ma14:wrappingTextBoxFlag xmlns="" xmlns:m="http://schemas.openxmlformats.org/officeDocument/2006/math" xmlns:a14="http://schemas.microsoft.com/office/drawing/2010/main" xmlns:ma14="http://schemas.microsoft.com/office/mac/drawingml/2011/main" val="1"/>
+              <ma14:wrappingTextBoxFlag xmlns:ma14="http://schemas.microsoft.com/office/mac/drawingml/2011/main" xmlns:a14="http://schemas.microsoft.com/office/drawing/2010/main" xmlns:m="http://schemas.openxmlformats.org/officeDocument/2006/math" xmlns="" val="1"/>
             </a:ext>
           </a:extLst>
         </p:spPr>
@@ -13390,7 +13394,7 @@
           </a:ln>
           <a:extLst>
             <a:ext uri="{C572A759-6A51-4108-AA02-DFA0A04FC94B}">
-              <ma14:wrappingTextBoxFlag xmlns="" xmlns:m="http://schemas.openxmlformats.org/officeDocument/2006/math" xmlns:a14="http://schemas.microsoft.com/office/drawing/2010/main" xmlns:ma14="http://schemas.microsoft.com/office/mac/drawingml/2011/main" val="1"/>
+              <ma14:wrappingTextBoxFlag xmlns:ma14="http://schemas.microsoft.com/office/mac/drawingml/2011/main" xmlns:a14="http://schemas.microsoft.com/office/drawing/2010/main" xmlns:m="http://schemas.openxmlformats.org/officeDocument/2006/math" xmlns="" val="1"/>
             </a:ext>
           </a:extLst>
         </p:spPr>
@@ -13482,7 +13486,7 @@
             </a:ln>
             <a:extLst>
               <a:ext uri="{C572A759-6A51-4108-AA02-DFA0A04FC94B}">
-                <ma14:wrappingTextBoxFlag xmlns="" xmlns:m="http://schemas.openxmlformats.org/officeDocument/2006/math" xmlns:a14="http://schemas.microsoft.com/office/drawing/2010/main" xmlns:ma14="http://schemas.microsoft.com/office/mac/drawingml/2011/main" val="1"/>
+                <ma14:wrappingTextBoxFlag xmlns:ma14="http://schemas.microsoft.com/office/mac/drawingml/2011/main" xmlns:a14="http://schemas.microsoft.com/office/drawing/2010/main" xmlns:m="http://schemas.openxmlformats.org/officeDocument/2006/math" xmlns="" val="1"/>
               </a:ext>
             </a:extLst>
           </p:spPr>
@@ -14236,7 +14240,7 @@
           </a:ln>
           <a:extLst>
             <a:ext uri="{C572A759-6A51-4108-AA02-DFA0A04FC94B}">
-              <ma14:wrappingTextBoxFlag xmlns="" xmlns:m="http://schemas.openxmlformats.org/officeDocument/2006/math" xmlns:a14="http://schemas.microsoft.com/office/drawing/2010/main" xmlns:ma14="http://schemas.microsoft.com/office/mac/drawingml/2011/main" val="1"/>
+              <ma14:wrappingTextBoxFlag xmlns:ma14="http://schemas.microsoft.com/office/mac/drawingml/2011/main" xmlns:a14="http://schemas.microsoft.com/office/drawing/2010/main" xmlns:m="http://schemas.openxmlformats.org/officeDocument/2006/math" xmlns="" val="1"/>
             </a:ext>
           </a:extLst>
         </p:spPr>
@@ -14375,7 +14379,7 @@
           </a:ln>
           <a:extLst>
             <a:ext uri="{C572A759-6A51-4108-AA02-DFA0A04FC94B}">
-              <ma14:wrappingTextBoxFlag xmlns="" xmlns:m="http://schemas.openxmlformats.org/officeDocument/2006/math" xmlns:a14="http://schemas.microsoft.com/office/drawing/2010/main" xmlns:ma14="http://schemas.microsoft.com/office/mac/drawingml/2011/main" val="1"/>
+              <ma14:wrappingTextBoxFlag xmlns:ma14="http://schemas.microsoft.com/office/mac/drawingml/2011/main" xmlns:a14="http://schemas.microsoft.com/office/drawing/2010/main" xmlns:m="http://schemas.openxmlformats.org/officeDocument/2006/math" xmlns="" val="1"/>
             </a:ext>
           </a:extLst>
         </p:spPr>
@@ -14558,7 +14562,7 @@
           </a:ln>
           <a:extLst>
             <a:ext uri="{C572A759-6A51-4108-AA02-DFA0A04FC94B}">
-              <ma14:wrappingTextBoxFlag xmlns="" xmlns:m="http://schemas.openxmlformats.org/officeDocument/2006/math" xmlns:a14="http://schemas.microsoft.com/office/drawing/2010/main" xmlns:ma14="http://schemas.microsoft.com/office/mac/drawingml/2011/main" val="1"/>
+              <ma14:wrappingTextBoxFlag xmlns:ma14="http://schemas.microsoft.com/office/mac/drawingml/2011/main" xmlns:a14="http://schemas.microsoft.com/office/drawing/2010/main" xmlns:m="http://schemas.openxmlformats.org/officeDocument/2006/math" xmlns="" val="1"/>
             </a:ext>
           </a:extLst>
         </p:spPr>
@@ -14639,7 +14643,7 @@
           </a:ln>
           <a:extLst>
             <a:ext uri="{C572A759-6A51-4108-AA02-DFA0A04FC94B}">
-              <ma14:wrappingTextBoxFlag xmlns="" xmlns:m="http://schemas.openxmlformats.org/officeDocument/2006/math" xmlns:a14="http://schemas.microsoft.com/office/drawing/2010/main" xmlns:ma14="http://schemas.microsoft.com/office/mac/drawingml/2011/main" val="1"/>
+              <ma14:wrappingTextBoxFlag xmlns:ma14="http://schemas.microsoft.com/office/mac/drawingml/2011/main" xmlns:a14="http://schemas.microsoft.com/office/drawing/2010/main" xmlns:m="http://schemas.openxmlformats.org/officeDocument/2006/math" xmlns="" val="1"/>
             </a:ext>
           </a:extLst>
         </p:spPr>
@@ -14699,7 +14703,7 @@
           </a:ln>
           <a:extLst>
             <a:ext uri="{C572A759-6A51-4108-AA02-DFA0A04FC94B}">
-              <ma14:wrappingTextBoxFlag xmlns="" xmlns:m="http://schemas.openxmlformats.org/officeDocument/2006/math" xmlns:a14="http://schemas.microsoft.com/office/drawing/2010/main" xmlns:ma14="http://schemas.microsoft.com/office/mac/drawingml/2011/main" val="1"/>
+              <ma14:wrappingTextBoxFlag xmlns:ma14="http://schemas.microsoft.com/office/mac/drawingml/2011/main" xmlns:a14="http://schemas.microsoft.com/office/drawing/2010/main" xmlns:m="http://schemas.openxmlformats.org/officeDocument/2006/math" xmlns="" val="1"/>
             </a:ext>
           </a:extLst>
         </p:spPr>
@@ -14820,7 +14824,7 @@
           </a:ln>
           <a:extLst>
             <a:ext uri="{C572A759-6A51-4108-AA02-DFA0A04FC94B}">
-              <ma14:wrappingTextBoxFlag xmlns="" xmlns:m="http://schemas.openxmlformats.org/officeDocument/2006/math" xmlns:a14="http://schemas.microsoft.com/office/drawing/2010/main" xmlns:ma14="http://schemas.microsoft.com/office/mac/drawingml/2011/main" val="1"/>
+              <ma14:wrappingTextBoxFlag xmlns:ma14="http://schemas.microsoft.com/office/mac/drawingml/2011/main" xmlns:a14="http://schemas.microsoft.com/office/drawing/2010/main" xmlns:m="http://schemas.openxmlformats.org/officeDocument/2006/math" xmlns="" val="1"/>
             </a:ext>
           </a:extLst>
         </p:spPr>
@@ -14974,7 +14978,7 @@
           </a:ln>
           <a:extLst>
             <a:ext uri="{C572A759-6A51-4108-AA02-DFA0A04FC94B}">
-              <ma14:wrappingTextBoxFlag xmlns="" xmlns:m="http://schemas.openxmlformats.org/officeDocument/2006/math" xmlns:a14="http://schemas.microsoft.com/office/drawing/2010/main" xmlns:ma14="http://schemas.microsoft.com/office/mac/drawingml/2011/main" val="1"/>
+              <ma14:wrappingTextBoxFlag xmlns:ma14="http://schemas.microsoft.com/office/mac/drawingml/2011/main" xmlns:a14="http://schemas.microsoft.com/office/drawing/2010/main" xmlns:m="http://schemas.openxmlformats.org/officeDocument/2006/math" xmlns="" val="1"/>
             </a:ext>
           </a:extLst>
         </p:spPr>
@@ -15268,7 +15272,7 @@
           </a:ln>
           <a:extLst>
             <a:ext uri="{C572A759-6A51-4108-AA02-DFA0A04FC94B}">
-              <ma14:wrappingTextBoxFlag xmlns="" xmlns:m="http://schemas.openxmlformats.org/officeDocument/2006/math" xmlns:a14="http://schemas.microsoft.com/office/drawing/2010/main" xmlns:ma14="http://schemas.microsoft.com/office/mac/drawingml/2011/main" val="1"/>
+              <ma14:wrappingTextBoxFlag xmlns:ma14="http://schemas.microsoft.com/office/mac/drawingml/2011/main" xmlns:a14="http://schemas.microsoft.com/office/drawing/2010/main" xmlns:m="http://schemas.openxmlformats.org/officeDocument/2006/math" xmlns="" val="1"/>
             </a:ext>
           </a:extLst>
         </p:spPr>
@@ -15567,7 +15571,7 @@
           </a:ln>
           <a:extLst>
             <a:ext uri="{C572A759-6A51-4108-AA02-DFA0A04FC94B}">
-              <ma14:wrappingTextBoxFlag xmlns="" xmlns:m="http://schemas.openxmlformats.org/officeDocument/2006/math" xmlns:a14="http://schemas.microsoft.com/office/drawing/2010/main" xmlns:ma14="http://schemas.microsoft.com/office/mac/drawingml/2011/main" val="1"/>
+              <ma14:wrappingTextBoxFlag xmlns:ma14="http://schemas.microsoft.com/office/mac/drawingml/2011/main" xmlns:a14="http://schemas.microsoft.com/office/drawing/2010/main" xmlns:m="http://schemas.openxmlformats.org/officeDocument/2006/math" xmlns="" val="1"/>
             </a:ext>
           </a:extLst>
         </p:spPr>
@@ -15653,7 +15657,7 @@
           </a:ln>
           <a:extLst>
             <a:ext uri="{C572A759-6A51-4108-AA02-DFA0A04FC94B}">
-              <ma14:wrappingTextBoxFlag xmlns="" xmlns:m="http://schemas.openxmlformats.org/officeDocument/2006/math" xmlns:a14="http://schemas.microsoft.com/office/drawing/2010/main" xmlns:ma14="http://schemas.microsoft.com/office/mac/drawingml/2011/main" val="1"/>
+              <ma14:wrappingTextBoxFlag xmlns:ma14="http://schemas.microsoft.com/office/mac/drawingml/2011/main" xmlns:a14="http://schemas.microsoft.com/office/drawing/2010/main" xmlns:m="http://schemas.openxmlformats.org/officeDocument/2006/math" xmlns="" val="1"/>
             </a:ext>
           </a:extLst>
         </p:spPr>
@@ -15768,7 +15772,7 @@
             </a:ln>
             <a:extLst>
               <a:ext uri="{C572A759-6A51-4108-AA02-DFA0A04FC94B}">
-                <ma14:wrappingTextBoxFlag xmlns="" xmlns:m="http://schemas.openxmlformats.org/officeDocument/2006/math" xmlns:a14="http://schemas.microsoft.com/office/drawing/2010/main" xmlns:ma14="http://schemas.microsoft.com/office/mac/drawingml/2011/main" val="1"/>
+                <ma14:wrappingTextBoxFlag xmlns:ma14="http://schemas.microsoft.com/office/mac/drawingml/2011/main" xmlns:a14="http://schemas.microsoft.com/office/drawing/2010/main" xmlns:m="http://schemas.openxmlformats.org/officeDocument/2006/math" xmlns="" val="1"/>
               </a:ext>
             </a:extLst>
           </p:spPr>
@@ -16463,7 +16467,7 @@
           </a:ln>
           <a:extLst>
             <a:ext uri="{C572A759-6A51-4108-AA02-DFA0A04FC94B}">
-              <ma14:wrappingTextBoxFlag xmlns="" xmlns:m="http://schemas.openxmlformats.org/officeDocument/2006/math" xmlns:a14="http://schemas.microsoft.com/office/drawing/2010/main" xmlns:ma14="http://schemas.microsoft.com/office/mac/drawingml/2011/main" val="1"/>
+              <ma14:wrappingTextBoxFlag xmlns:ma14="http://schemas.microsoft.com/office/mac/drawingml/2011/main" xmlns:a14="http://schemas.microsoft.com/office/drawing/2010/main" xmlns:m="http://schemas.openxmlformats.org/officeDocument/2006/math" xmlns="" val="1"/>
             </a:ext>
           </a:extLst>
         </p:spPr>
@@ -16545,7 +16549,7 @@
           </a:ln>
           <a:extLst>
             <a:ext uri="{C572A759-6A51-4108-AA02-DFA0A04FC94B}">
-              <ma14:wrappingTextBoxFlag xmlns="" xmlns:m="http://schemas.openxmlformats.org/officeDocument/2006/math" xmlns:a14="http://schemas.microsoft.com/office/drawing/2010/main" xmlns:ma14="http://schemas.microsoft.com/office/mac/drawingml/2011/main" val="1"/>
+              <ma14:wrappingTextBoxFlag xmlns:ma14="http://schemas.microsoft.com/office/mac/drawingml/2011/main" xmlns:a14="http://schemas.microsoft.com/office/drawing/2010/main" xmlns:m="http://schemas.openxmlformats.org/officeDocument/2006/math" xmlns="" val="1"/>
             </a:ext>
           </a:extLst>
         </p:spPr>
@@ -16671,7 +16675,7 @@
             </a:ln>
             <a:extLst>
               <a:ext uri="{C572A759-6A51-4108-AA02-DFA0A04FC94B}">
-                <ma14:wrappingTextBoxFlag xmlns="" xmlns:m="http://schemas.openxmlformats.org/officeDocument/2006/math" xmlns:a14="http://schemas.microsoft.com/office/drawing/2010/main" xmlns:ma14="http://schemas.microsoft.com/office/mac/drawingml/2011/main" val="1"/>
+                <ma14:wrappingTextBoxFlag xmlns:ma14="http://schemas.microsoft.com/office/mac/drawingml/2011/main" xmlns:a14="http://schemas.microsoft.com/office/drawing/2010/main" xmlns:m="http://schemas.openxmlformats.org/officeDocument/2006/math" xmlns="" val="1"/>
               </a:ext>
             </a:extLst>
           </p:spPr>
@@ -17515,7 +17519,7 @@
           </a:ln>
           <a:extLst>
             <a:ext uri="{C572A759-6A51-4108-AA02-DFA0A04FC94B}">
-              <ma14:wrappingTextBoxFlag xmlns="" xmlns:m="http://schemas.openxmlformats.org/officeDocument/2006/math" xmlns:a14="http://schemas.microsoft.com/office/drawing/2010/main" xmlns:ma14="http://schemas.microsoft.com/office/mac/drawingml/2011/main" val="1"/>
+              <ma14:wrappingTextBoxFlag xmlns:ma14="http://schemas.microsoft.com/office/mac/drawingml/2011/main" xmlns:a14="http://schemas.microsoft.com/office/drawing/2010/main" xmlns:m="http://schemas.openxmlformats.org/officeDocument/2006/math" xmlns="" val="1"/>
             </a:ext>
           </a:extLst>
         </p:spPr>
@@ -17596,7 +17600,7 @@
           </a:ln>
           <a:extLst>
             <a:ext uri="{C572A759-6A51-4108-AA02-DFA0A04FC94B}">
-              <ma14:wrappingTextBoxFlag xmlns="" xmlns:m="http://schemas.openxmlformats.org/officeDocument/2006/math" xmlns:a14="http://schemas.microsoft.com/office/drawing/2010/main" xmlns:ma14="http://schemas.microsoft.com/office/mac/drawingml/2011/main" val="1"/>
+              <ma14:wrappingTextBoxFlag xmlns:ma14="http://schemas.microsoft.com/office/mac/drawingml/2011/main" xmlns:a14="http://schemas.microsoft.com/office/drawing/2010/main" xmlns:m="http://schemas.openxmlformats.org/officeDocument/2006/math" xmlns="" val="1"/>
             </a:ext>
           </a:extLst>
         </p:spPr>
@@ -17969,7 +17973,7 @@
           </a:ln>
           <a:extLst>
             <a:ext uri="{C572A759-6A51-4108-AA02-DFA0A04FC94B}">
-              <ma14:wrappingTextBoxFlag xmlns="" xmlns:m="http://schemas.openxmlformats.org/officeDocument/2006/math" xmlns:a14="http://schemas.microsoft.com/office/drawing/2010/main" xmlns:ma14="http://schemas.microsoft.com/office/mac/drawingml/2011/main" val="1"/>
+              <ma14:wrappingTextBoxFlag xmlns:ma14="http://schemas.microsoft.com/office/mac/drawingml/2011/main" xmlns:a14="http://schemas.microsoft.com/office/drawing/2010/main" xmlns:m="http://schemas.openxmlformats.org/officeDocument/2006/math" xmlns="" val="1"/>
             </a:ext>
           </a:extLst>
         </p:spPr>
@@ -18063,7 +18067,7 @@
           </a:ln>
           <a:extLst>
             <a:ext uri="{C572A759-6A51-4108-AA02-DFA0A04FC94B}">
-              <ma14:wrappingTextBoxFlag xmlns="" xmlns:m="http://schemas.openxmlformats.org/officeDocument/2006/math" xmlns:a14="http://schemas.microsoft.com/office/drawing/2010/main" xmlns:ma14="http://schemas.microsoft.com/office/mac/drawingml/2011/main" val="1"/>
+              <ma14:wrappingTextBoxFlag xmlns:ma14="http://schemas.microsoft.com/office/mac/drawingml/2011/main" xmlns:a14="http://schemas.microsoft.com/office/drawing/2010/main" xmlns:m="http://schemas.openxmlformats.org/officeDocument/2006/math" xmlns="" val="1"/>
             </a:ext>
           </a:extLst>
         </p:spPr>
@@ -18136,7 +18140,7 @@
           </a:ln>
           <a:extLst>
             <a:ext uri="{C572A759-6A51-4108-AA02-DFA0A04FC94B}">
-              <ma14:wrappingTextBoxFlag xmlns="" xmlns:m="http://schemas.openxmlformats.org/officeDocument/2006/math" xmlns:a14="http://schemas.microsoft.com/office/drawing/2010/main" xmlns:ma14="http://schemas.microsoft.com/office/mac/drawingml/2011/main" val="1"/>
+              <ma14:wrappingTextBoxFlag xmlns:ma14="http://schemas.microsoft.com/office/mac/drawingml/2011/main" xmlns:a14="http://schemas.microsoft.com/office/drawing/2010/main" xmlns:m="http://schemas.openxmlformats.org/officeDocument/2006/math" xmlns="" val="1"/>
             </a:ext>
           </a:extLst>
         </p:spPr>
@@ -18663,7 +18667,7 @@
           </a:ln>
           <a:extLst>
             <a:ext uri="{C572A759-6A51-4108-AA02-DFA0A04FC94B}">
-              <ma14:wrappingTextBoxFlag xmlns="" xmlns:m="http://schemas.openxmlformats.org/officeDocument/2006/math" xmlns:a14="http://schemas.microsoft.com/office/drawing/2010/main" xmlns:ma14="http://schemas.microsoft.com/office/mac/drawingml/2011/main" val="1"/>
+              <ma14:wrappingTextBoxFlag xmlns:ma14="http://schemas.microsoft.com/office/mac/drawingml/2011/main" xmlns:a14="http://schemas.microsoft.com/office/drawing/2010/main" xmlns:m="http://schemas.openxmlformats.org/officeDocument/2006/math" xmlns="" val="1"/>
             </a:ext>
           </a:extLst>
         </p:spPr>
@@ -18750,7 +18754,7 @@
           </a:ln>
           <a:extLst>
             <a:ext uri="{C572A759-6A51-4108-AA02-DFA0A04FC94B}">
-              <ma14:wrappingTextBoxFlag xmlns="" xmlns:m="http://schemas.openxmlformats.org/officeDocument/2006/math" xmlns:a14="http://schemas.microsoft.com/office/drawing/2010/main" xmlns:ma14="http://schemas.microsoft.com/office/mac/drawingml/2011/main" val="1"/>
+              <ma14:wrappingTextBoxFlag xmlns:ma14="http://schemas.microsoft.com/office/mac/drawingml/2011/main" xmlns:a14="http://schemas.microsoft.com/office/drawing/2010/main" xmlns:m="http://schemas.openxmlformats.org/officeDocument/2006/math" xmlns="" val="1"/>
             </a:ext>
           </a:extLst>
         </p:spPr>
@@ -18947,7 +18951,7 @@
           </a:ln>
           <a:extLst>
             <a:ext uri="{C572A759-6A51-4108-AA02-DFA0A04FC94B}">
-              <ma14:wrappingTextBoxFlag xmlns="" xmlns:m="http://schemas.openxmlformats.org/officeDocument/2006/math" xmlns:a14="http://schemas.microsoft.com/office/drawing/2010/main" xmlns:ma14="http://schemas.microsoft.com/office/mac/drawingml/2011/main" val="1"/>
+              <ma14:wrappingTextBoxFlag xmlns:ma14="http://schemas.microsoft.com/office/mac/drawingml/2011/main" xmlns:a14="http://schemas.microsoft.com/office/drawing/2010/main" xmlns:m="http://schemas.openxmlformats.org/officeDocument/2006/math" xmlns="" val="1"/>
             </a:ext>
           </a:extLst>
         </p:spPr>
@@ -19194,7 +19198,7 @@
           </a:ln>
           <a:extLst>
             <a:ext uri="{C572A759-6A51-4108-AA02-DFA0A04FC94B}">
-              <ma14:wrappingTextBoxFlag xmlns="" xmlns:m="http://schemas.openxmlformats.org/officeDocument/2006/math" xmlns:a14="http://schemas.microsoft.com/office/drawing/2010/main" xmlns:ma14="http://schemas.microsoft.com/office/mac/drawingml/2011/main" val="1"/>
+              <ma14:wrappingTextBoxFlag xmlns:ma14="http://schemas.microsoft.com/office/mac/drawingml/2011/main" xmlns:a14="http://schemas.microsoft.com/office/drawing/2010/main" xmlns:m="http://schemas.openxmlformats.org/officeDocument/2006/math" xmlns="" val="1"/>
             </a:ext>
           </a:extLst>
         </p:spPr>
@@ -19276,7 +19280,7 @@
           </a:ln>
           <a:extLst>
             <a:ext uri="{C572A759-6A51-4108-AA02-DFA0A04FC94B}">
-              <ma14:wrappingTextBoxFlag xmlns="" xmlns:m="http://schemas.openxmlformats.org/officeDocument/2006/math" xmlns:a14="http://schemas.microsoft.com/office/drawing/2010/main" xmlns:ma14="http://schemas.microsoft.com/office/mac/drawingml/2011/main" val="1"/>
+              <ma14:wrappingTextBoxFlag xmlns:ma14="http://schemas.microsoft.com/office/mac/drawingml/2011/main" xmlns:a14="http://schemas.microsoft.com/office/drawing/2010/main" xmlns:m="http://schemas.openxmlformats.org/officeDocument/2006/math" xmlns="" val="1"/>
             </a:ext>
           </a:extLst>
         </p:spPr>
@@ -19769,7 +19773,7 @@
           </a:ln>
           <a:extLst>
             <a:ext uri="{C572A759-6A51-4108-AA02-DFA0A04FC94B}">
-              <ma14:wrappingTextBoxFlag xmlns="" xmlns:m="http://schemas.openxmlformats.org/officeDocument/2006/math" xmlns:a14="http://schemas.microsoft.com/office/drawing/2010/main" xmlns:ma14="http://schemas.microsoft.com/office/mac/drawingml/2011/main" val="1"/>
+              <ma14:wrappingTextBoxFlag xmlns:ma14="http://schemas.microsoft.com/office/mac/drawingml/2011/main" xmlns:a14="http://schemas.microsoft.com/office/drawing/2010/main" xmlns:m="http://schemas.openxmlformats.org/officeDocument/2006/math" xmlns="" val="1"/>
             </a:ext>
           </a:extLst>
         </p:spPr>
@@ -19850,7 +19854,7 @@
           </a:ln>
           <a:extLst>
             <a:ext uri="{C572A759-6A51-4108-AA02-DFA0A04FC94B}">
-              <ma14:wrappingTextBoxFlag xmlns="" xmlns:m="http://schemas.openxmlformats.org/officeDocument/2006/math" xmlns:a14="http://schemas.microsoft.com/office/drawing/2010/main" xmlns:ma14="http://schemas.microsoft.com/office/mac/drawingml/2011/main" val="1"/>
+              <ma14:wrappingTextBoxFlag xmlns:ma14="http://schemas.microsoft.com/office/mac/drawingml/2011/main" xmlns:a14="http://schemas.microsoft.com/office/drawing/2010/main" xmlns:m="http://schemas.openxmlformats.org/officeDocument/2006/math" xmlns="" val="1"/>
             </a:ext>
           </a:extLst>
         </p:spPr>
@@ -19939,7 +19943,7 @@
           </a:ln>
           <a:extLst>
             <a:ext uri="{C572A759-6A51-4108-AA02-DFA0A04FC94B}">
-              <ma14:wrappingTextBoxFlag xmlns="" xmlns:m="http://schemas.openxmlformats.org/officeDocument/2006/math" xmlns:a14="http://schemas.microsoft.com/office/drawing/2010/main" xmlns:ma14="http://schemas.microsoft.com/office/mac/drawingml/2011/main" val="1"/>
+              <ma14:wrappingTextBoxFlag xmlns:ma14="http://schemas.microsoft.com/office/mac/drawingml/2011/main" xmlns:a14="http://schemas.microsoft.com/office/drawing/2010/main" xmlns:m="http://schemas.openxmlformats.org/officeDocument/2006/math" xmlns="" val="1"/>
             </a:ext>
           </a:extLst>
         </p:spPr>
@@ -20281,7 +20285,7 @@
           </a:ln>
           <a:extLst>
             <a:ext uri="{C572A759-6A51-4108-AA02-DFA0A04FC94B}">
-              <ma14:wrappingTextBoxFlag xmlns="" xmlns:m="http://schemas.openxmlformats.org/officeDocument/2006/math" xmlns:a14="http://schemas.microsoft.com/office/drawing/2010/main" xmlns:ma14="http://schemas.microsoft.com/office/mac/drawingml/2011/main" val="1"/>
+              <ma14:wrappingTextBoxFlag xmlns:ma14="http://schemas.microsoft.com/office/mac/drawingml/2011/main" xmlns:a14="http://schemas.microsoft.com/office/drawing/2010/main" xmlns:m="http://schemas.openxmlformats.org/officeDocument/2006/math" xmlns="" val="1"/>
             </a:ext>
           </a:extLst>
         </p:spPr>
@@ -20363,7 +20367,7 @@
           </a:ln>
           <a:extLst>
             <a:ext uri="{C572A759-6A51-4108-AA02-DFA0A04FC94B}">
-              <ma14:wrappingTextBoxFlag xmlns="" xmlns:m="http://schemas.openxmlformats.org/officeDocument/2006/math" xmlns:a14="http://schemas.microsoft.com/office/drawing/2010/main" xmlns:ma14="http://schemas.microsoft.com/office/mac/drawingml/2011/main" val="1"/>
+              <ma14:wrappingTextBoxFlag xmlns:ma14="http://schemas.microsoft.com/office/mac/drawingml/2011/main" xmlns:a14="http://schemas.microsoft.com/office/drawing/2010/main" xmlns:m="http://schemas.openxmlformats.org/officeDocument/2006/math" xmlns="" val="1"/>
             </a:ext>
           </a:extLst>
         </p:spPr>
@@ -20423,7 +20427,7 @@
           </a:ln>
           <a:extLst>
             <a:ext uri="{C572A759-6A51-4108-AA02-DFA0A04FC94B}">
-              <ma14:wrappingTextBoxFlag xmlns="" xmlns:m="http://schemas.openxmlformats.org/officeDocument/2006/math" xmlns:a14="http://schemas.microsoft.com/office/drawing/2010/main" xmlns:ma14="http://schemas.microsoft.com/office/mac/drawingml/2011/main" val="1"/>
+              <ma14:wrappingTextBoxFlag xmlns:ma14="http://schemas.microsoft.com/office/mac/drawingml/2011/main" xmlns:a14="http://schemas.microsoft.com/office/drawing/2010/main" xmlns:m="http://schemas.openxmlformats.org/officeDocument/2006/math" xmlns="" val="1"/>
             </a:ext>
           </a:extLst>
         </p:spPr>
@@ -20523,7 +20527,7 @@
           </a:ln>
           <a:extLst>
             <a:ext uri="{C572A759-6A51-4108-AA02-DFA0A04FC94B}">
-              <ma14:wrappingTextBoxFlag xmlns="" xmlns:m="http://schemas.openxmlformats.org/officeDocument/2006/math" xmlns:a14="http://schemas.microsoft.com/office/drawing/2010/main" xmlns:ma14="http://schemas.microsoft.com/office/mac/drawingml/2011/main" val="1"/>
+              <ma14:wrappingTextBoxFlag xmlns:ma14="http://schemas.microsoft.com/office/mac/drawingml/2011/main" xmlns:a14="http://schemas.microsoft.com/office/drawing/2010/main" xmlns:m="http://schemas.openxmlformats.org/officeDocument/2006/math" xmlns="" val="1"/>
             </a:ext>
           </a:extLst>
         </p:spPr>
@@ -20737,7 +20741,7 @@
           </a:ln>
           <a:extLst>
             <a:ext uri="{C572A759-6A51-4108-AA02-DFA0A04FC94B}">
-              <ma14:wrappingTextBoxFlag xmlns="" xmlns:m="http://schemas.openxmlformats.org/officeDocument/2006/math" xmlns:a14="http://schemas.microsoft.com/office/drawing/2010/main" xmlns:ma14="http://schemas.microsoft.com/office/mac/drawingml/2011/main" val="1"/>
+              <ma14:wrappingTextBoxFlag xmlns:ma14="http://schemas.microsoft.com/office/mac/drawingml/2011/main" xmlns:a14="http://schemas.microsoft.com/office/drawing/2010/main" xmlns:m="http://schemas.openxmlformats.org/officeDocument/2006/math" xmlns="" val="1"/>
             </a:ext>
           </a:extLst>
         </p:spPr>
@@ -20898,7 +20902,7 @@
           </a:ln>
           <a:extLst>
             <a:ext uri="{C572A759-6A51-4108-AA02-DFA0A04FC94B}">
-              <ma14:wrappingTextBoxFlag xmlns="" xmlns:m="http://schemas.openxmlformats.org/officeDocument/2006/math" xmlns:a14="http://schemas.microsoft.com/office/drawing/2010/main" xmlns:ma14="http://schemas.microsoft.com/office/mac/drawingml/2011/main" val="1"/>
+              <ma14:wrappingTextBoxFlag xmlns:ma14="http://schemas.microsoft.com/office/mac/drawingml/2011/main" xmlns:a14="http://schemas.microsoft.com/office/drawing/2010/main" xmlns:m="http://schemas.openxmlformats.org/officeDocument/2006/math" xmlns="" val="1"/>
             </a:ext>
           </a:extLst>
         </p:spPr>
@@ -20985,7 +20989,7 @@
           </a:ln>
           <a:extLst>
             <a:ext uri="{C572A759-6A51-4108-AA02-DFA0A04FC94B}">
-              <ma14:wrappingTextBoxFlag xmlns="" xmlns:m="http://schemas.openxmlformats.org/officeDocument/2006/math" xmlns:a14="http://schemas.microsoft.com/office/drawing/2010/main" xmlns:ma14="http://schemas.microsoft.com/office/mac/drawingml/2011/main" val="1"/>
+              <ma14:wrappingTextBoxFlag xmlns:ma14="http://schemas.microsoft.com/office/mac/drawingml/2011/main" xmlns:a14="http://schemas.microsoft.com/office/drawing/2010/main" xmlns:m="http://schemas.openxmlformats.org/officeDocument/2006/math" xmlns="" val="1"/>
             </a:ext>
           </a:extLst>
         </p:spPr>
@@ -21333,7 +21337,7 @@
           </a:ln>
           <a:extLst>
             <a:ext uri="{C572A759-6A51-4108-AA02-DFA0A04FC94B}">
-              <ma14:wrappingTextBoxFlag xmlns="" xmlns:m="http://schemas.openxmlformats.org/officeDocument/2006/math" xmlns:a14="http://schemas.microsoft.com/office/drawing/2010/main" xmlns:ma14="http://schemas.microsoft.com/office/mac/drawingml/2011/main" val="1"/>
+              <ma14:wrappingTextBoxFlag xmlns:ma14="http://schemas.microsoft.com/office/mac/drawingml/2011/main" xmlns:a14="http://schemas.microsoft.com/office/drawing/2010/main" xmlns:m="http://schemas.openxmlformats.org/officeDocument/2006/math" xmlns="" val="1"/>
             </a:ext>
           </a:extLst>
         </p:spPr>
@@ -21422,7 +21426,7 @@
           </a:ln>
           <a:extLst>
             <a:ext uri="{C572A759-6A51-4108-AA02-DFA0A04FC94B}">
-              <ma14:wrappingTextBoxFlag xmlns="" xmlns:m="http://schemas.openxmlformats.org/officeDocument/2006/math" xmlns:a14="http://schemas.microsoft.com/office/drawing/2010/main" xmlns:ma14="http://schemas.microsoft.com/office/mac/drawingml/2011/main" val="1"/>
+              <ma14:wrappingTextBoxFlag xmlns:ma14="http://schemas.microsoft.com/office/mac/drawingml/2011/main" xmlns:a14="http://schemas.microsoft.com/office/drawing/2010/main" xmlns:m="http://schemas.openxmlformats.org/officeDocument/2006/math" xmlns="" val="1"/>
             </a:ext>
           </a:extLst>
         </p:spPr>
@@ -21511,7 +21515,7 @@
           </a:ln>
           <a:extLst>
             <a:ext uri="{C572A759-6A51-4108-AA02-DFA0A04FC94B}">
-              <ma14:wrappingTextBoxFlag xmlns="" xmlns:m="http://schemas.openxmlformats.org/officeDocument/2006/math" xmlns:a14="http://schemas.microsoft.com/office/drawing/2010/main" xmlns:ma14="http://schemas.microsoft.com/office/mac/drawingml/2011/main" val="1"/>
+              <ma14:wrappingTextBoxFlag xmlns:ma14="http://schemas.microsoft.com/office/mac/drawingml/2011/main" xmlns:a14="http://schemas.microsoft.com/office/drawing/2010/main" xmlns:m="http://schemas.openxmlformats.org/officeDocument/2006/math" xmlns="" val="1"/>
             </a:ext>
           </a:extLst>
         </p:spPr>
@@ -21600,7 +21604,7 @@
             </a:ln>
             <a:extLst>
               <a:ext uri="{C572A759-6A51-4108-AA02-DFA0A04FC94B}">
-                <ma14:wrappingTextBoxFlag xmlns="" xmlns:m="http://schemas.openxmlformats.org/officeDocument/2006/math" xmlns:a14="http://schemas.microsoft.com/office/drawing/2010/main" xmlns:ma14="http://schemas.microsoft.com/office/mac/drawingml/2011/main" val="1"/>
+                <ma14:wrappingTextBoxFlag xmlns:ma14="http://schemas.microsoft.com/office/mac/drawingml/2011/main" xmlns:a14="http://schemas.microsoft.com/office/drawing/2010/main" xmlns:m="http://schemas.openxmlformats.org/officeDocument/2006/math" xmlns="" val="1"/>
               </a:ext>
             </a:extLst>
           </p:spPr>
@@ -22185,7 +22189,7 @@
           </a:ln>
           <a:extLst>
             <a:ext uri="{C572A759-6A51-4108-AA02-DFA0A04FC94B}">
-              <ma14:wrappingTextBoxFlag xmlns="" xmlns:m="http://schemas.openxmlformats.org/officeDocument/2006/math" xmlns:a14="http://schemas.microsoft.com/office/drawing/2010/main" xmlns:ma14="http://schemas.microsoft.com/office/mac/drawingml/2011/main" val="1"/>
+              <ma14:wrappingTextBoxFlag xmlns:ma14="http://schemas.microsoft.com/office/mac/drawingml/2011/main" xmlns:a14="http://schemas.microsoft.com/office/drawing/2010/main" xmlns:m="http://schemas.openxmlformats.org/officeDocument/2006/math" xmlns="" val="1"/>
             </a:ext>
           </a:extLst>
         </p:spPr>
@@ -22333,7 +22337,7 @@
           </a:ln>
           <a:extLst>
             <a:ext uri="{C572A759-6A51-4108-AA02-DFA0A04FC94B}">
-              <ma14:wrappingTextBoxFlag xmlns="" xmlns:m="http://schemas.openxmlformats.org/officeDocument/2006/math" xmlns:a14="http://schemas.microsoft.com/office/drawing/2010/main" xmlns:ma14="http://schemas.microsoft.com/office/mac/drawingml/2011/main" val="1"/>
+              <ma14:wrappingTextBoxFlag xmlns:ma14="http://schemas.microsoft.com/office/mac/drawingml/2011/main" xmlns:a14="http://schemas.microsoft.com/office/drawing/2010/main" xmlns:m="http://schemas.openxmlformats.org/officeDocument/2006/math" xmlns="" val="1"/>
             </a:ext>
           </a:extLst>
         </p:spPr>
@@ -22422,7 +22426,7 @@
           </a:ln>
           <a:extLst>
             <a:ext uri="{C572A759-6A51-4108-AA02-DFA0A04FC94B}">
-              <ma14:wrappingTextBoxFlag xmlns="" xmlns:m="http://schemas.openxmlformats.org/officeDocument/2006/math" xmlns:a14="http://schemas.microsoft.com/office/drawing/2010/main" xmlns:ma14="http://schemas.microsoft.com/office/mac/drawingml/2011/main" val="1"/>
+              <ma14:wrappingTextBoxFlag xmlns:ma14="http://schemas.microsoft.com/office/mac/drawingml/2011/main" xmlns:a14="http://schemas.microsoft.com/office/drawing/2010/main" xmlns:m="http://schemas.openxmlformats.org/officeDocument/2006/math" xmlns="" val="1"/>
             </a:ext>
           </a:extLst>
         </p:spPr>
@@ -22503,7 +22507,7 @@
           </a:ln>
           <a:extLst>
             <a:ext uri="{C572A759-6A51-4108-AA02-DFA0A04FC94B}">
-              <ma14:wrappingTextBoxFlag xmlns="" xmlns:m="http://schemas.openxmlformats.org/officeDocument/2006/math" xmlns:a14="http://schemas.microsoft.com/office/drawing/2010/main" xmlns:ma14="http://schemas.microsoft.com/office/mac/drawingml/2011/main" val="1"/>
+              <ma14:wrappingTextBoxFlag xmlns:ma14="http://schemas.microsoft.com/office/mac/drawingml/2011/main" xmlns:a14="http://schemas.microsoft.com/office/drawing/2010/main" xmlns:m="http://schemas.openxmlformats.org/officeDocument/2006/math" xmlns="" val="1"/>
             </a:ext>
           </a:extLst>
         </p:spPr>
@@ -22588,7 +22592,7 @@
             </a:ln>
             <a:extLst>
               <a:ext uri="{C572A759-6A51-4108-AA02-DFA0A04FC94B}">
-                <ma14:wrappingTextBoxFlag xmlns="" xmlns:m="http://schemas.openxmlformats.org/officeDocument/2006/math" xmlns:a14="http://schemas.microsoft.com/office/drawing/2010/main" xmlns:ma14="http://schemas.microsoft.com/office/mac/drawingml/2011/main" val="1"/>
+                <ma14:wrappingTextBoxFlag xmlns:ma14="http://schemas.microsoft.com/office/mac/drawingml/2011/main" xmlns:a14="http://schemas.microsoft.com/office/drawing/2010/main" xmlns:m="http://schemas.openxmlformats.org/officeDocument/2006/math" xmlns="" val="1"/>
               </a:ext>
             </a:extLst>
           </p:spPr>
@@ -23678,7 +23682,7 @@
           </a:ln>
           <a:extLst>
             <a:ext uri="{C572A759-6A51-4108-AA02-DFA0A04FC94B}">
-              <ma14:wrappingTextBoxFlag xmlns="" xmlns:m="http://schemas.openxmlformats.org/officeDocument/2006/math" xmlns:a14="http://schemas.microsoft.com/office/drawing/2010/main" xmlns:ma14="http://schemas.microsoft.com/office/mac/drawingml/2011/main" val="1"/>
+              <ma14:wrappingTextBoxFlag xmlns:ma14="http://schemas.microsoft.com/office/mac/drawingml/2011/main" xmlns:a14="http://schemas.microsoft.com/office/drawing/2010/main" xmlns:m="http://schemas.openxmlformats.org/officeDocument/2006/math" xmlns="" val="1"/>
             </a:ext>
           </a:extLst>
         </p:spPr>
@@ -23779,7 +23783,7 @@
           </a:ln>
           <a:extLst>
             <a:ext uri="{C572A759-6A51-4108-AA02-DFA0A04FC94B}">
-              <ma14:wrappingTextBoxFlag xmlns="" xmlns:m="http://schemas.openxmlformats.org/officeDocument/2006/math" xmlns:a14="http://schemas.microsoft.com/office/drawing/2010/main" xmlns:ma14="http://schemas.microsoft.com/office/mac/drawingml/2011/main" val="1"/>
+              <ma14:wrappingTextBoxFlag xmlns:ma14="http://schemas.microsoft.com/office/mac/drawingml/2011/main" xmlns:a14="http://schemas.microsoft.com/office/drawing/2010/main" xmlns:m="http://schemas.openxmlformats.org/officeDocument/2006/math" xmlns="" val="1"/>
             </a:ext>
           </a:extLst>
         </p:spPr>
@@ -23860,7 +23864,7 @@
           </a:ln>
           <a:extLst>
             <a:ext uri="{C572A759-6A51-4108-AA02-DFA0A04FC94B}">
-              <ma14:wrappingTextBoxFlag xmlns="" xmlns:m="http://schemas.openxmlformats.org/officeDocument/2006/math" xmlns:a14="http://schemas.microsoft.com/office/drawing/2010/main" xmlns:ma14="http://schemas.microsoft.com/office/mac/drawingml/2011/main" val="1"/>
+              <ma14:wrappingTextBoxFlag xmlns:ma14="http://schemas.microsoft.com/office/mac/drawingml/2011/main" xmlns:a14="http://schemas.microsoft.com/office/drawing/2010/main" xmlns:m="http://schemas.openxmlformats.org/officeDocument/2006/math" xmlns="" val="1"/>
             </a:ext>
           </a:extLst>
         </p:spPr>
@@ -23923,7 +23927,7 @@
           </a:ln>
           <a:extLst>
             <a:ext uri="{C572A759-6A51-4108-AA02-DFA0A04FC94B}">
-              <ma14:wrappingTextBoxFlag xmlns="" xmlns:m="http://schemas.openxmlformats.org/officeDocument/2006/math" xmlns:a14="http://schemas.microsoft.com/office/drawing/2010/main" xmlns:ma14="http://schemas.microsoft.com/office/mac/drawingml/2011/main" val="1"/>
+              <ma14:wrappingTextBoxFlag xmlns:ma14="http://schemas.microsoft.com/office/mac/drawingml/2011/main" xmlns:a14="http://schemas.microsoft.com/office/drawing/2010/main" xmlns:m="http://schemas.openxmlformats.org/officeDocument/2006/math" xmlns="" val="1"/>
             </a:ext>
           </a:extLst>
         </p:spPr>
@@ -24005,7 +24009,7 @@
             </a:ln>
             <a:extLst>
               <a:ext uri="{C572A759-6A51-4108-AA02-DFA0A04FC94B}">
-                <ma14:wrappingTextBoxFlag xmlns="" xmlns:m="http://schemas.openxmlformats.org/officeDocument/2006/math" xmlns:a14="http://schemas.microsoft.com/office/drawing/2010/main" xmlns:ma14="http://schemas.microsoft.com/office/mac/drawingml/2011/main" val="1"/>
+                <ma14:wrappingTextBoxFlag xmlns:ma14="http://schemas.microsoft.com/office/mac/drawingml/2011/main" xmlns:a14="http://schemas.microsoft.com/office/drawing/2010/main" xmlns:m="http://schemas.openxmlformats.org/officeDocument/2006/math" xmlns="" val="1"/>
               </a:ext>
             </a:extLst>
           </p:spPr>
@@ -25242,7 +25246,7 @@
           </a:ln>
           <a:extLst>
             <a:ext uri="{C572A759-6A51-4108-AA02-DFA0A04FC94B}">
-              <ma14:wrappingTextBoxFlag xmlns="" xmlns:m="http://schemas.openxmlformats.org/officeDocument/2006/math" xmlns:a14="http://schemas.microsoft.com/office/drawing/2010/main" xmlns:ma14="http://schemas.microsoft.com/office/mac/drawingml/2011/main" val="1"/>
+              <ma14:wrappingTextBoxFlag xmlns:ma14="http://schemas.microsoft.com/office/mac/drawingml/2011/main" xmlns:a14="http://schemas.microsoft.com/office/drawing/2010/main" xmlns:m="http://schemas.openxmlformats.org/officeDocument/2006/math" xmlns="" val="1"/>
             </a:ext>
           </a:extLst>
         </p:spPr>
@@ -25342,7 +25346,7 @@
           </a:ln>
           <a:extLst>
             <a:ext uri="{C572A759-6A51-4108-AA02-DFA0A04FC94B}">
-              <ma14:wrappingTextBoxFlag xmlns="" xmlns:m="http://schemas.openxmlformats.org/officeDocument/2006/math" xmlns:a14="http://schemas.microsoft.com/office/drawing/2010/main" xmlns:ma14="http://schemas.microsoft.com/office/mac/drawingml/2011/main" val="1"/>
+              <ma14:wrappingTextBoxFlag xmlns:ma14="http://schemas.microsoft.com/office/mac/drawingml/2011/main" xmlns:a14="http://schemas.microsoft.com/office/drawing/2010/main" xmlns:m="http://schemas.openxmlformats.org/officeDocument/2006/math" xmlns="" val="1"/>
             </a:ext>
           </a:extLst>
         </p:spPr>
@@ -25423,7 +25427,7 @@
           </a:ln>
           <a:extLst>
             <a:ext uri="{C572A759-6A51-4108-AA02-DFA0A04FC94B}">
-              <ma14:wrappingTextBoxFlag xmlns="" xmlns:m="http://schemas.openxmlformats.org/officeDocument/2006/math" xmlns:a14="http://schemas.microsoft.com/office/drawing/2010/main" xmlns:ma14="http://schemas.microsoft.com/office/mac/drawingml/2011/main" val="1"/>
+              <ma14:wrappingTextBoxFlag xmlns:ma14="http://schemas.microsoft.com/office/mac/drawingml/2011/main" xmlns:a14="http://schemas.microsoft.com/office/drawing/2010/main" xmlns:m="http://schemas.openxmlformats.org/officeDocument/2006/math" xmlns="" val="1"/>
             </a:ext>
           </a:extLst>
         </p:spPr>
@@ -25492,7 +25496,7 @@
           </a:ln>
           <a:extLst>
             <a:ext uri="{C572A759-6A51-4108-AA02-DFA0A04FC94B}">
-              <ma14:wrappingTextBoxFlag xmlns="" xmlns:m="http://schemas.openxmlformats.org/officeDocument/2006/math" xmlns:a14="http://schemas.microsoft.com/office/drawing/2010/main" xmlns:ma14="http://schemas.microsoft.com/office/mac/drawingml/2011/main" val="1"/>
+              <ma14:wrappingTextBoxFlag xmlns:ma14="http://schemas.microsoft.com/office/mac/drawingml/2011/main" xmlns:a14="http://schemas.microsoft.com/office/drawing/2010/main" xmlns:m="http://schemas.openxmlformats.org/officeDocument/2006/math" xmlns="" val="1"/>
             </a:ext>
           </a:extLst>
         </p:spPr>
@@ -25683,7 +25687,7 @@
           </a:ln>
           <a:extLst>
             <a:ext uri="{C572A759-6A51-4108-AA02-DFA0A04FC94B}">
-              <ma14:wrappingTextBoxFlag xmlns="" xmlns:m="http://schemas.openxmlformats.org/officeDocument/2006/math" xmlns:a14="http://schemas.microsoft.com/office/drawing/2010/main" xmlns:ma14="http://schemas.microsoft.com/office/mac/drawingml/2011/main" val="1"/>
+              <ma14:wrappingTextBoxFlag xmlns:ma14="http://schemas.microsoft.com/office/mac/drawingml/2011/main" xmlns:a14="http://schemas.microsoft.com/office/drawing/2010/main" xmlns:m="http://schemas.openxmlformats.org/officeDocument/2006/math" xmlns="" val="1"/>
             </a:ext>
           </a:extLst>
         </p:spPr>
@@ -25783,7 +25787,7 @@
           </a:ln>
           <a:extLst>
             <a:ext uri="{C572A759-6A51-4108-AA02-DFA0A04FC94B}">
-              <ma14:wrappingTextBoxFlag xmlns="" xmlns:m="http://schemas.openxmlformats.org/officeDocument/2006/math" xmlns:a14="http://schemas.microsoft.com/office/drawing/2010/main" xmlns:ma14="http://schemas.microsoft.com/office/mac/drawingml/2011/main" val="1"/>
+              <ma14:wrappingTextBoxFlag xmlns:ma14="http://schemas.microsoft.com/office/mac/drawingml/2011/main" xmlns:a14="http://schemas.microsoft.com/office/drawing/2010/main" xmlns:m="http://schemas.openxmlformats.org/officeDocument/2006/math" xmlns="" val="1"/>
             </a:ext>
           </a:extLst>
         </p:spPr>
@@ -25865,7 +25869,7 @@
           </a:ln>
           <a:extLst>
             <a:ext uri="{C572A759-6A51-4108-AA02-DFA0A04FC94B}">
-              <ma14:wrappingTextBoxFlag xmlns="" xmlns:m="http://schemas.openxmlformats.org/officeDocument/2006/math" xmlns:a14="http://schemas.microsoft.com/office/drawing/2010/main" xmlns:ma14="http://schemas.microsoft.com/office/mac/drawingml/2011/main" val="1"/>
+              <ma14:wrappingTextBoxFlag xmlns:ma14="http://schemas.microsoft.com/office/mac/drawingml/2011/main" xmlns:a14="http://schemas.microsoft.com/office/drawing/2010/main" xmlns:m="http://schemas.openxmlformats.org/officeDocument/2006/math" xmlns="" val="1"/>
             </a:ext>
           </a:extLst>
         </p:spPr>
@@ -25947,7 +25951,7 @@
             </a:ln>
             <a:extLst>
               <a:ext uri="{C572A759-6A51-4108-AA02-DFA0A04FC94B}">
-                <ma14:wrappingTextBoxFlag xmlns="" xmlns:m="http://schemas.openxmlformats.org/officeDocument/2006/math" xmlns:a14="http://schemas.microsoft.com/office/drawing/2010/main" xmlns:ma14="http://schemas.microsoft.com/office/mac/drawingml/2011/main" val="1"/>
+                <ma14:wrappingTextBoxFlag xmlns:ma14="http://schemas.microsoft.com/office/mac/drawingml/2011/main" xmlns:a14="http://schemas.microsoft.com/office/drawing/2010/main" xmlns:m="http://schemas.openxmlformats.org/officeDocument/2006/math" xmlns="" val="1"/>
               </a:ext>
             </a:extLst>
           </p:spPr>
@@ -26609,7 +26613,7 @@
           </a:ln>
           <a:extLst>
             <a:ext uri="{C572A759-6A51-4108-AA02-DFA0A04FC94B}">
-              <ma14:wrappingTextBoxFlag xmlns="" xmlns:m="http://schemas.openxmlformats.org/officeDocument/2006/math" xmlns:a14="http://schemas.microsoft.com/office/drawing/2010/main" xmlns:ma14="http://schemas.microsoft.com/office/mac/drawingml/2011/main" val="1"/>
+              <ma14:wrappingTextBoxFlag xmlns:ma14="http://schemas.microsoft.com/office/mac/drawingml/2011/main" xmlns:a14="http://schemas.microsoft.com/office/drawing/2010/main" xmlns:m="http://schemas.openxmlformats.org/officeDocument/2006/math" xmlns="" val="1"/>
             </a:ext>
           </a:extLst>
         </p:spPr>
@@ -26800,7 +26804,7 @@
           </a:ln>
           <a:extLst>
             <a:ext uri="{C572A759-6A51-4108-AA02-DFA0A04FC94B}">
-              <ma14:wrappingTextBoxFlag xmlns="" xmlns:m="http://schemas.openxmlformats.org/officeDocument/2006/math" xmlns:a14="http://schemas.microsoft.com/office/drawing/2010/main" xmlns:ma14="http://schemas.microsoft.com/office/mac/drawingml/2011/main" val="1"/>
+              <ma14:wrappingTextBoxFlag xmlns:ma14="http://schemas.microsoft.com/office/mac/drawingml/2011/main" xmlns:a14="http://schemas.microsoft.com/office/drawing/2010/main" xmlns:m="http://schemas.openxmlformats.org/officeDocument/2006/math" xmlns="" val="1"/>
             </a:ext>
           </a:extLst>
         </p:spPr>
@@ -26889,7 +26893,7 @@
           </a:ln>
           <a:extLst>
             <a:ext uri="{C572A759-6A51-4108-AA02-DFA0A04FC94B}">
-              <ma14:wrappingTextBoxFlag xmlns="" xmlns:m="http://schemas.openxmlformats.org/officeDocument/2006/math" xmlns:a14="http://schemas.microsoft.com/office/drawing/2010/main" xmlns:ma14="http://schemas.microsoft.com/office/mac/drawingml/2011/main" val="1"/>
+              <ma14:wrappingTextBoxFlag xmlns:ma14="http://schemas.microsoft.com/office/mac/drawingml/2011/main" xmlns:a14="http://schemas.microsoft.com/office/drawing/2010/main" xmlns:m="http://schemas.openxmlformats.org/officeDocument/2006/math" xmlns="" val="1"/>
             </a:ext>
           </a:extLst>
         </p:spPr>
@@ -26979,7 +26983,7 @@
           </a:ln>
           <a:extLst>
             <a:ext uri="{C572A759-6A51-4108-AA02-DFA0A04FC94B}">
-              <ma14:wrappingTextBoxFlag xmlns="" xmlns:m="http://schemas.openxmlformats.org/officeDocument/2006/math" xmlns:a14="http://schemas.microsoft.com/office/drawing/2010/main" xmlns:ma14="http://schemas.microsoft.com/office/mac/drawingml/2011/main" val="1"/>
+              <ma14:wrappingTextBoxFlag xmlns:ma14="http://schemas.microsoft.com/office/mac/drawingml/2011/main" xmlns:a14="http://schemas.microsoft.com/office/drawing/2010/main" xmlns:m="http://schemas.openxmlformats.org/officeDocument/2006/math" xmlns="" val="1"/>
             </a:ext>
           </a:extLst>
         </p:spPr>
@@ -27092,7 +27096,7 @@
           </a:ln>
           <a:extLst>
             <a:ext uri="{C572A759-6A51-4108-AA02-DFA0A04FC94B}">
-              <ma14:wrappingTextBoxFlag xmlns="" xmlns:m="http://schemas.openxmlformats.org/officeDocument/2006/math" xmlns:a14="http://schemas.microsoft.com/office/drawing/2010/main" xmlns:ma14="http://schemas.microsoft.com/office/mac/drawingml/2011/main" val="1"/>
+              <ma14:wrappingTextBoxFlag xmlns:ma14="http://schemas.microsoft.com/office/mac/drawingml/2011/main" xmlns:a14="http://schemas.microsoft.com/office/drawing/2010/main" xmlns:m="http://schemas.openxmlformats.org/officeDocument/2006/math" xmlns="" val="1"/>
             </a:ext>
           </a:extLst>
         </p:spPr>
@@ -27267,7 +27271,7 @@
           </a:ln>
           <a:extLst>
             <a:ext uri="{C572A759-6A51-4108-AA02-DFA0A04FC94B}">
-              <ma14:wrappingTextBoxFlag xmlns="" xmlns:m="http://schemas.openxmlformats.org/officeDocument/2006/math" xmlns:a14="http://schemas.microsoft.com/office/drawing/2010/main" xmlns:ma14="http://schemas.microsoft.com/office/mac/drawingml/2011/main" val="1"/>
+              <ma14:wrappingTextBoxFlag xmlns:ma14="http://schemas.microsoft.com/office/mac/drawingml/2011/main" xmlns:a14="http://schemas.microsoft.com/office/drawing/2010/main" xmlns:m="http://schemas.openxmlformats.org/officeDocument/2006/math" xmlns="" val="1"/>
             </a:ext>
           </a:extLst>
         </p:spPr>
@@ -27390,7 +27394,7 @@
           </a:ln>
           <a:extLst>
             <a:ext uri="{C572A759-6A51-4108-AA02-DFA0A04FC94B}">
-              <ma14:wrappingTextBoxFlag xmlns="" xmlns:m="http://schemas.openxmlformats.org/officeDocument/2006/math" xmlns:a14="http://schemas.microsoft.com/office/drawing/2010/main" xmlns:ma14="http://schemas.microsoft.com/office/mac/drawingml/2011/main" val="1"/>
+              <ma14:wrappingTextBoxFlag xmlns:ma14="http://schemas.microsoft.com/office/mac/drawingml/2011/main" xmlns:a14="http://schemas.microsoft.com/office/drawing/2010/main" xmlns:m="http://schemas.openxmlformats.org/officeDocument/2006/math" xmlns="" val="1"/>
             </a:ext>
           </a:extLst>
         </p:spPr>
@@ -27543,7 +27547,7 @@
           </a:ln>
           <a:extLst>
             <a:ext uri="{C572A759-6A51-4108-AA02-DFA0A04FC94B}">
-              <ma14:wrappingTextBoxFlag xmlns="" xmlns:m="http://schemas.openxmlformats.org/officeDocument/2006/math" xmlns:a14="http://schemas.microsoft.com/office/drawing/2010/main" xmlns:ma14="http://schemas.microsoft.com/office/mac/drawingml/2011/main" val="1"/>
+              <ma14:wrappingTextBoxFlag xmlns:ma14="http://schemas.microsoft.com/office/mac/drawingml/2011/main" xmlns:a14="http://schemas.microsoft.com/office/drawing/2010/main" xmlns:m="http://schemas.openxmlformats.org/officeDocument/2006/math" xmlns="" val="1"/>
             </a:ext>
           </a:extLst>
         </p:spPr>
@@ -27624,7 +27628,7 @@
           </a:ln>
           <a:extLst>
             <a:ext uri="{C572A759-6A51-4108-AA02-DFA0A04FC94B}">
-              <ma14:wrappingTextBoxFlag xmlns="" xmlns:m="http://schemas.openxmlformats.org/officeDocument/2006/math" xmlns:a14="http://schemas.microsoft.com/office/drawing/2010/main" xmlns:ma14="http://schemas.microsoft.com/office/mac/drawingml/2011/main" val="1"/>
+              <ma14:wrappingTextBoxFlag xmlns:ma14="http://schemas.microsoft.com/office/mac/drawingml/2011/main" xmlns:a14="http://schemas.microsoft.com/office/drawing/2010/main" xmlns:m="http://schemas.openxmlformats.org/officeDocument/2006/math" xmlns="" val="1"/>
             </a:ext>
           </a:extLst>
         </p:spPr>
@@ -27737,7 +27741,7 @@
           </a:ln>
           <a:extLst>
             <a:ext uri="{C572A759-6A51-4108-AA02-DFA0A04FC94B}">
-              <ma14:wrappingTextBoxFlag xmlns="" xmlns:m="http://schemas.openxmlformats.org/officeDocument/2006/math" xmlns:a14="http://schemas.microsoft.com/office/drawing/2010/main" xmlns:ma14="http://schemas.microsoft.com/office/mac/drawingml/2011/main" val="1"/>
+              <ma14:wrappingTextBoxFlag xmlns:ma14="http://schemas.microsoft.com/office/mac/drawingml/2011/main" xmlns:a14="http://schemas.microsoft.com/office/drawing/2010/main" xmlns:m="http://schemas.openxmlformats.org/officeDocument/2006/math" xmlns="" val="1"/>
             </a:ext>
           </a:extLst>
         </p:spPr>
@@ -27838,7 +27842,7 @@
             </a:ln>
             <a:extLst>
               <a:ext uri="{C572A759-6A51-4108-AA02-DFA0A04FC94B}">
-                <ma14:wrappingTextBoxFlag xmlns="" xmlns:m="http://schemas.openxmlformats.org/officeDocument/2006/math" xmlns:a14="http://schemas.microsoft.com/office/drawing/2010/main" xmlns:ma14="http://schemas.microsoft.com/office/mac/drawingml/2011/main" val="1"/>
+                <ma14:wrappingTextBoxFlag xmlns:ma14="http://schemas.microsoft.com/office/mac/drawingml/2011/main" xmlns:a14="http://schemas.microsoft.com/office/drawing/2010/main" xmlns:m="http://schemas.openxmlformats.org/officeDocument/2006/math" xmlns="" val="1"/>
               </a:ext>
             </a:extLst>
           </p:spPr>
@@ -28386,7 +28390,7 @@
           </a:ln>
           <a:extLst>
             <a:ext uri="{C572A759-6A51-4108-AA02-DFA0A04FC94B}">
-              <ma14:wrappingTextBoxFlag xmlns="" xmlns:m="http://schemas.openxmlformats.org/officeDocument/2006/math" xmlns:a14="http://schemas.microsoft.com/office/drawing/2010/main" xmlns:ma14="http://schemas.microsoft.com/office/mac/drawingml/2011/main" val="1"/>
+              <ma14:wrappingTextBoxFlag xmlns:ma14="http://schemas.microsoft.com/office/mac/drawingml/2011/main" xmlns:a14="http://schemas.microsoft.com/office/drawing/2010/main" xmlns:m="http://schemas.openxmlformats.org/officeDocument/2006/math" xmlns="" val="1"/>
             </a:ext>
           </a:extLst>
         </p:spPr>
@@ -28527,7 +28531,7 @@
           </a:ln>
           <a:extLst>
             <a:ext uri="{C572A759-6A51-4108-AA02-DFA0A04FC94B}">
-              <ma14:wrappingTextBoxFlag xmlns="" xmlns:m="http://schemas.openxmlformats.org/officeDocument/2006/math" xmlns:a14="http://schemas.microsoft.com/office/drawing/2010/main" xmlns:ma14="http://schemas.microsoft.com/office/mac/drawingml/2011/main" val="1"/>
+              <ma14:wrappingTextBoxFlag xmlns:ma14="http://schemas.microsoft.com/office/mac/drawingml/2011/main" xmlns:a14="http://schemas.microsoft.com/office/drawing/2010/main" xmlns:m="http://schemas.openxmlformats.org/officeDocument/2006/math" xmlns="" val="1"/>
             </a:ext>
           </a:extLst>
         </p:spPr>
@@ -28628,7 +28632,7 @@
             </a:ln>
             <a:extLst>
               <a:ext uri="{C572A759-6A51-4108-AA02-DFA0A04FC94B}">
-                <ma14:wrappingTextBoxFlag xmlns="" xmlns:m="http://schemas.openxmlformats.org/officeDocument/2006/math" xmlns:a14="http://schemas.microsoft.com/office/drawing/2010/main" xmlns:ma14="http://schemas.microsoft.com/office/mac/drawingml/2011/main" val="1"/>
+                <ma14:wrappingTextBoxFlag xmlns:ma14="http://schemas.microsoft.com/office/mac/drawingml/2011/main" xmlns:a14="http://schemas.microsoft.com/office/drawing/2010/main" xmlns:m="http://schemas.openxmlformats.org/officeDocument/2006/math" xmlns="" val="1"/>
               </a:ext>
             </a:extLst>
           </p:spPr>
@@ -29718,7 +29722,7 @@
           </a:ln>
           <a:extLst>
             <a:ext uri="{C572A759-6A51-4108-AA02-DFA0A04FC94B}">
-              <ma14:wrappingTextBoxFlag xmlns="" xmlns:m="http://schemas.openxmlformats.org/officeDocument/2006/math" xmlns:a14="http://schemas.microsoft.com/office/drawing/2010/main" xmlns:ma14="http://schemas.microsoft.com/office/mac/drawingml/2011/main" val="1"/>
+              <ma14:wrappingTextBoxFlag xmlns:ma14="http://schemas.microsoft.com/office/mac/drawingml/2011/main" xmlns:a14="http://schemas.microsoft.com/office/drawing/2010/main" xmlns:m="http://schemas.openxmlformats.org/officeDocument/2006/math" xmlns="" val="1"/>
             </a:ext>
           </a:extLst>
         </p:spPr>
@@ -29866,7 +29870,7 @@
           </a:ln>
           <a:extLst>
             <a:ext uri="{C572A759-6A51-4108-AA02-DFA0A04FC94B}">
-              <ma14:wrappingTextBoxFlag xmlns="" xmlns:m="http://schemas.openxmlformats.org/officeDocument/2006/math" xmlns:a14="http://schemas.microsoft.com/office/drawing/2010/main" xmlns:ma14="http://schemas.microsoft.com/office/mac/drawingml/2011/main" val="1"/>
+              <ma14:wrappingTextBoxFlag xmlns:ma14="http://schemas.microsoft.com/office/mac/drawingml/2011/main" xmlns:a14="http://schemas.microsoft.com/office/drawing/2010/main" xmlns:m="http://schemas.openxmlformats.org/officeDocument/2006/math" xmlns="" val="1"/>
             </a:ext>
           </a:extLst>
         </p:spPr>
@@ -29952,7 +29956,7 @@
           </a:ln>
           <a:extLst>
             <a:ext uri="{C572A759-6A51-4108-AA02-DFA0A04FC94B}">
-              <ma14:wrappingTextBoxFlag xmlns="" xmlns:m="http://schemas.openxmlformats.org/officeDocument/2006/math" xmlns:a14="http://schemas.microsoft.com/office/drawing/2010/main" xmlns:ma14="http://schemas.microsoft.com/office/mac/drawingml/2011/main" val="1"/>
+              <ma14:wrappingTextBoxFlag xmlns:ma14="http://schemas.microsoft.com/office/mac/drawingml/2011/main" xmlns:a14="http://schemas.microsoft.com/office/drawing/2010/main" xmlns:m="http://schemas.openxmlformats.org/officeDocument/2006/math" xmlns="" val="1"/>
             </a:ext>
           </a:extLst>
         </p:spPr>
@@ -30037,7 +30041,7 @@
           </a:ln>
           <a:extLst>
             <a:ext uri="{C572A759-6A51-4108-AA02-DFA0A04FC94B}">
-              <ma14:wrappingTextBoxFlag xmlns="" xmlns:m="http://schemas.openxmlformats.org/officeDocument/2006/math" xmlns:a14="http://schemas.microsoft.com/office/drawing/2010/main" xmlns:ma14="http://schemas.microsoft.com/office/mac/drawingml/2011/main" val="1"/>
+              <ma14:wrappingTextBoxFlag xmlns:ma14="http://schemas.microsoft.com/office/mac/drawingml/2011/main" xmlns:a14="http://schemas.microsoft.com/office/drawing/2010/main" xmlns:m="http://schemas.openxmlformats.org/officeDocument/2006/math" xmlns="" val="1"/>
             </a:ext>
           </a:extLst>
         </p:spPr>
@@ -30094,7 +30098,7 @@
           </a:ln>
           <a:extLst>
             <a:ext uri="{C572A759-6A51-4108-AA02-DFA0A04FC94B}">
-              <ma14:wrappingTextBoxFlag xmlns="" xmlns:m="http://schemas.openxmlformats.org/officeDocument/2006/math" xmlns:a14="http://schemas.microsoft.com/office/drawing/2010/main" xmlns:ma14="http://schemas.microsoft.com/office/mac/drawingml/2011/main" val="1"/>
+              <ma14:wrappingTextBoxFlag xmlns:ma14="http://schemas.microsoft.com/office/mac/drawingml/2011/main" xmlns:a14="http://schemas.microsoft.com/office/drawing/2010/main" xmlns:m="http://schemas.openxmlformats.org/officeDocument/2006/math" xmlns="" val="1"/>
             </a:ext>
           </a:extLst>
         </p:spPr>
@@ -30319,7 +30323,7 @@
           </a:ln>
           <a:extLst>
             <a:ext uri="{C572A759-6A51-4108-AA02-DFA0A04FC94B}">
-              <ma14:wrappingTextBoxFlag xmlns="" xmlns:m="http://schemas.openxmlformats.org/officeDocument/2006/math" xmlns:a14="http://schemas.microsoft.com/office/drawing/2010/main" xmlns:ma14="http://schemas.microsoft.com/office/mac/drawingml/2011/main" val="1"/>
+              <ma14:wrappingTextBoxFlag xmlns:ma14="http://schemas.microsoft.com/office/mac/drawingml/2011/main" xmlns:a14="http://schemas.microsoft.com/office/drawing/2010/main" xmlns:m="http://schemas.openxmlformats.org/officeDocument/2006/math" xmlns="" val="1"/>
             </a:ext>
           </a:extLst>
         </p:spPr>
@@ -30420,7 +30424,7 @@
             </a:ln>
             <a:extLst>
               <a:ext uri="{C572A759-6A51-4108-AA02-DFA0A04FC94B}">
-                <ma14:wrappingTextBoxFlag xmlns="" xmlns:m="http://schemas.openxmlformats.org/officeDocument/2006/math" xmlns:a14="http://schemas.microsoft.com/office/drawing/2010/main" xmlns:ma14="http://schemas.microsoft.com/office/mac/drawingml/2011/main" val="1"/>
+                <ma14:wrappingTextBoxFlag xmlns:ma14="http://schemas.microsoft.com/office/mac/drawingml/2011/main" xmlns:a14="http://schemas.microsoft.com/office/drawing/2010/main" xmlns:m="http://schemas.openxmlformats.org/officeDocument/2006/math" xmlns="" val="1"/>
               </a:ext>
             </a:extLst>
           </p:spPr>
@@ -31714,7 +31718,7 @@
           </a:ln>
           <a:extLst>
             <a:ext uri="{C572A759-6A51-4108-AA02-DFA0A04FC94B}">
-              <ma14:wrappingTextBoxFlag xmlns="" xmlns:m="http://schemas.openxmlformats.org/officeDocument/2006/math" xmlns:a14="http://schemas.microsoft.com/office/drawing/2010/main" xmlns:ma14="http://schemas.microsoft.com/office/mac/drawingml/2011/main" val="1"/>
+              <ma14:wrappingTextBoxFlag xmlns:ma14="http://schemas.microsoft.com/office/mac/drawingml/2011/main" xmlns:a14="http://schemas.microsoft.com/office/drawing/2010/main" xmlns:m="http://schemas.openxmlformats.org/officeDocument/2006/math" xmlns="" val="1"/>
             </a:ext>
           </a:extLst>
         </p:spPr>
@@ -31839,7 +31843,7 @@
           </a:ln>
           <a:extLst>
             <a:ext uri="{C572A759-6A51-4108-AA02-DFA0A04FC94B}">
-              <ma14:wrappingTextBoxFlag xmlns="" xmlns:m="http://schemas.openxmlformats.org/officeDocument/2006/math" xmlns:a14="http://schemas.microsoft.com/office/drawing/2010/main" xmlns:ma14="http://schemas.microsoft.com/office/mac/drawingml/2011/main" val="1"/>
+              <ma14:wrappingTextBoxFlag xmlns:ma14="http://schemas.microsoft.com/office/mac/drawingml/2011/main" xmlns:a14="http://schemas.microsoft.com/office/drawing/2010/main" xmlns:m="http://schemas.openxmlformats.org/officeDocument/2006/math" xmlns="" val="1"/>
             </a:ext>
           </a:extLst>
         </p:spPr>
@@ -32099,7 +32103,7 @@
           </a:ln>
           <a:extLst>
             <a:ext uri="{C572A759-6A51-4108-AA02-DFA0A04FC94B}">
-              <ma14:wrappingTextBoxFlag xmlns="" xmlns:m="http://schemas.openxmlformats.org/officeDocument/2006/math" xmlns:a14="http://schemas.microsoft.com/office/drawing/2010/main" xmlns:ma14="http://schemas.microsoft.com/office/mac/drawingml/2011/main" val="1"/>
+              <ma14:wrappingTextBoxFlag xmlns:ma14="http://schemas.microsoft.com/office/mac/drawingml/2011/main" xmlns:a14="http://schemas.microsoft.com/office/drawing/2010/main" xmlns:m="http://schemas.openxmlformats.org/officeDocument/2006/math" xmlns="" val="1"/>
             </a:ext>
           </a:extLst>
         </p:spPr>
@@ -32190,7 +32194,7 @@
           </a:ln>
           <a:extLst>
             <a:ext uri="{C572A759-6A51-4108-AA02-DFA0A04FC94B}">
-              <ma14:wrappingTextBoxFlag xmlns="" xmlns:m="http://schemas.openxmlformats.org/officeDocument/2006/math" xmlns:a14="http://schemas.microsoft.com/office/drawing/2010/main" xmlns:ma14="http://schemas.microsoft.com/office/mac/drawingml/2011/main" val="1"/>
+              <ma14:wrappingTextBoxFlag xmlns:ma14="http://schemas.microsoft.com/office/mac/drawingml/2011/main" xmlns:a14="http://schemas.microsoft.com/office/drawing/2010/main" xmlns:m="http://schemas.openxmlformats.org/officeDocument/2006/math" xmlns="" val="1"/>
             </a:ext>
           </a:extLst>
         </p:spPr>
@@ -32353,7 +32357,7 @@
           </a:ln>
           <a:extLst>
             <a:ext uri="{C572A759-6A51-4108-AA02-DFA0A04FC94B}">
-              <ma14:wrappingTextBoxFlag xmlns="" xmlns:m="http://schemas.openxmlformats.org/officeDocument/2006/math" xmlns:a14="http://schemas.microsoft.com/office/drawing/2010/main" xmlns:ma14="http://schemas.microsoft.com/office/mac/drawingml/2011/main" val="1"/>
+              <ma14:wrappingTextBoxFlag xmlns:ma14="http://schemas.microsoft.com/office/mac/drawingml/2011/main" xmlns:a14="http://schemas.microsoft.com/office/drawing/2010/main" xmlns:m="http://schemas.openxmlformats.org/officeDocument/2006/math" xmlns="" val="1"/>
             </a:ext>
           </a:extLst>
         </p:spPr>
@@ -32416,7 +32420,7 @@
           </a:ln>
           <a:extLst>
             <a:ext uri="{C572A759-6A51-4108-AA02-DFA0A04FC94B}">
-              <ma14:wrappingTextBoxFlag xmlns="" xmlns:m="http://schemas.openxmlformats.org/officeDocument/2006/math" xmlns:a14="http://schemas.microsoft.com/office/drawing/2010/main" xmlns:ma14="http://schemas.microsoft.com/office/mac/drawingml/2011/main" val="1"/>
+              <ma14:wrappingTextBoxFlag xmlns:ma14="http://schemas.microsoft.com/office/mac/drawingml/2011/main" xmlns:a14="http://schemas.microsoft.com/office/drawing/2010/main" xmlns:m="http://schemas.openxmlformats.org/officeDocument/2006/math" xmlns="" val="1"/>
             </a:ext>
           </a:extLst>
         </p:spPr>
@@ -32480,7 +32484,7 @@
           </a:ln>
           <a:extLst>
             <a:ext uri="{C572A759-6A51-4108-AA02-DFA0A04FC94B}">
-              <ma14:wrappingTextBoxFlag xmlns="" xmlns:m="http://schemas.openxmlformats.org/officeDocument/2006/math" xmlns:a14="http://schemas.microsoft.com/office/drawing/2010/main" xmlns:ma14="http://schemas.microsoft.com/office/mac/drawingml/2011/main" val="1"/>
+              <ma14:wrappingTextBoxFlag xmlns:ma14="http://schemas.microsoft.com/office/mac/drawingml/2011/main" xmlns:a14="http://schemas.microsoft.com/office/drawing/2010/main" xmlns:m="http://schemas.openxmlformats.org/officeDocument/2006/math" xmlns="" val="1"/>
             </a:ext>
           </a:extLst>
         </p:spPr>
@@ -32543,7 +32547,7 @@
           </a:ln>
           <a:extLst>
             <a:ext uri="{C572A759-6A51-4108-AA02-DFA0A04FC94B}">
-              <ma14:wrappingTextBoxFlag xmlns="" xmlns:m="http://schemas.openxmlformats.org/officeDocument/2006/math" xmlns:a14="http://schemas.microsoft.com/office/drawing/2010/main" xmlns:ma14="http://schemas.microsoft.com/office/mac/drawingml/2011/main" val="1"/>
+              <ma14:wrappingTextBoxFlag xmlns:ma14="http://schemas.microsoft.com/office/mac/drawingml/2011/main" xmlns:a14="http://schemas.microsoft.com/office/drawing/2010/main" xmlns:m="http://schemas.openxmlformats.org/officeDocument/2006/math" xmlns="" val="1"/>
             </a:ext>
           </a:extLst>
         </p:spPr>
@@ -32763,7 +32767,7 @@
           </a:ln>
           <a:extLst>
             <a:ext uri="{C572A759-6A51-4108-AA02-DFA0A04FC94B}">
-              <ma14:wrappingTextBoxFlag xmlns="" xmlns:m="http://schemas.openxmlformats.org/officeDocument/2006/math" xmlns:a14="http://schemas.microsoft.com/office/drawing/2010/main" xmlns:ma14="http://schemas.microsoft.com/office/mac/drawingml/2011/main" val="1"/>
+              <ma14:wrappingTextBoxFlag xmlns:ma14="http://schemas.microsoft.com/office/mac/drawingml/2011/main" xmlns:a14="http://schemas.microsoft.com/office/drawing/2010/main" xmlns:m="http://schemas.openxmlformats.org/officeDocument/2006/math" xmlns="" val="1"/>
             </a:ext>
           </a:extLst>
         </p:spPr>
@@ -32844,7 +32848,7 @@
           </a:ln>
           <a:extLst>
             <a:ext uri="{C572A759-6A51-4108-AA02-DFA0A04FC94B}">
-              <ma14:wrappingTextBoxFlag xmlns="" xmlns:m="http://schemas.openxmlformats.org/officeDocument/2006/math" xmlns:a14="http://schemas.microsoft.com/office/drawing/2010/main" xmlns:ma14="http://schemas.microsoft.com/office/mac/drawingml/2011/main" val="1"/>
+              <ma14:wrappingTextBoxFlag xmlns:ma14="http://schemas.microsoft.com/office/mac/drawingml/2011/main" xmlns:a14="http://schemas.microsoft.com/office/drawing/2010/main" xmlns:m="http://schemas.openxmlformats.org/officeDocument/2006/math" xmlns="" val="1"/>
             </a:ext>
           </a:extLst>
         </p:spPr>
@@ -32942,7 +32946,7 @@
           </a:ln>
           <a:extLst>
             <a:ext uri="{C572A759-6A51-4108-AA02-DFA0A04FC94B}">
-              <ma14:wrappingTextBoxFlag xmlns="" xmlns:m="http://schemas.openxmlformats.org/officeDocument/2006/math" xmlns:a14="http://schemas.microsoft.com/office/drawing/2010/main" xmlns:ma14="http://schemas.microsoft.com/office/mac/drawingml/2011/main" val="1"/>
+              <ma14:wrappingTextBoxFlag xmlns:ma14="http://schemas.microsoft.com/office/mac/drawingml/2011/main" xmlns:a14="http://schemas.microsoft.com/office/drawing/2010/main" xmlns:m="http://schemas.openxmlformats.org/officeDocument/2006/math" xmlns="" val="1"/>
             </a:ext>
           </a:extLst>
         </p:spPr>
@@ -33144,7 +33148,7 @@
           </a:ln>
           <a:extLst>
             <a:ext uri="{C572A759-6A51-4108-AA02-DFA0A04FC94B}">
-              <ma14:wrappingTextBoxFlag xmlns="" xmlns:m="http://schemas.openxmlformats.org/officeDocument/2006/math" xmlns:a14="http://schemas.microsoft.com/office/drawing/2010/main" xmlns:ma14="http://schemas.microsoft.com/office/mac/drawingml/2011/main" val="1"/>
+              <ma14:wrappingTextBoxFlag xmlns:ma14="http://schemas.microsoft.com/office/mac/drawingml/2011/main" xmlns:a14="http://schemas.microsoft.com/office/drawing/2010/main" xmlns:m="http://schemas.openxmlformats.org/officeDocument/2006/math" xmlns="" val="1"/>
             </a:ext>
           </a:extLst>
         </p:spPr>
@@ -33225,7 +33229,7 @@
           </a:ln>
           <a:extLst>
             <a:ext uri="{C572A759-6A51-4108-AA02-DFA0A04FC94B}">
-              <ma14:wrappingTextBoxFlag xmlns="" xmlns:m="http://schemas.openxmlformats.org/officeDocument/2006/math" xmlns:a14="http://schemas.microsoft.com/office/drawing/2010/main" xmlns:ma14="http://schemas.microsoft.com/office/mac/drawingml/2011/main" val="1"/>
+              <ma14:wrappingTextBoxFlag xmlns:ma14="http://schemas.microsoft.com/office/mac/drawingml/2011/main" xmlns:a14="http://schemas.microsoft.com/office/drawing/2010/main" xmlns:m="http://schemas.openxmlformats.org/officeDocument/2006/math" xmlns="" val="1"/>
             </a:ext>
           </a:extLst>
         </p:spPr>
@@ -33288,7 +33292,7 @@
           </a:ln>
           <a:extLst>
             <a:ext uri="{C572A759-6A51-4108-AA02-DFA0A04FC94B}">
-              <ma14:wrappingTextBoxFlag xmlns="" xmlns:m="http://schemas.openxmlformats.org/officeDocument/2006/math" xmlns:a14="http://schemas.microsoft.com/office/drawing/2010/main" xmlns:ma14="http://schemas.microsoft.com/office/mac/drawingml/2011/main" val="1"/>
+              <ma14:wrappingTextBoxFlag xmlns:ma14="http://schemas.microsoft.com/office/mac/drawingml/2011/main" xmlns:a14="http://schemas.microsoft.com/office/drawing/2010/main" xmlns:m="http://schemas.openxmlformats.org/officeDocument/2006/math" xmlns="" val="1"/>
             </a:ext>
           </a:extLst>
         </p:spPr>
@@ -33685,7 +33689,7 @@
           </a:ln>
           <a:extLst>
             <a:ext uri="{C572A759-6A51-4108-AA02-DFA0A04FC94B}">
-              <ma14:wrappingTextBoxFlag xmlns="" xmlns:m="http://schemas.openxmlformats.org/officeDocument/2006/math" xmlns:a14="http://schemas.microsoft.com/office/drawing/2010/main" xmlns:ma14="http://schemas.microsoft.com/office/mac/drawingml/2011/main" val="1"/>
+              <ma14:wrappingTextBoxFlag xmlns:ma14="http://schemas.microsoft.com/office/mac/drawingml/2011/main" xmlns:a14="http://schemas.microsoft.com/office/drawing/2010/main" xmlns:m="http://schemas.openxmlformats.org/officeDocument/2006/math" xmlns="" val="1"/>
             </a:ext>
           </a:extLst>
         </p:spPr>
@@ -33777,7 +33781,7 @@
           </a:ln>
           <a:extLst>
             <a:ext uri="{C572A759-6A51-4108-AA02-DFA0A04FC94B}">
-              <ma14:wrappingTextBoxFlag xmlns="" xmlns:m="http://schemas.openxmlformats.org/officeDocument/2006/math" xmlns:a14="http://schemas.microsoft.com/office/drawing/2010/main" xmlns:ma14="http://schemas.microsoft.com/office/mac/drawingml/2011/main" val="1"/>
+              <ma14:wrappingTextBoxFlag xmlns:ma14="http://schemas.microsoft.com/office/mac/drawingml/2011/main" xmlns:a14="http://schemas.microsoft.com/office/drawing/2010/main" xmlns:m="http://schemas.openxmlformats.org/officeDocument/2006/math" xmlns="" val="1"/>
             </a:ext>
           </a:extLst>
         </p:spPr>
@@ -33852,7 +33856,7 @@
           </a:ln>
           <a:extLst>
             <a:ext uri="{C572A759-6A51-4108-AA02-DFA0A04FC94B}">
-              <ma14:wrappingTextBoxFlag xmlns="" xmlns:m="http://schemas.openxmlformats.org/officeDocument/2006/math" xmlns:a14="http://schemas.microsoft.com/office/drawing/2010/main" xmlns:ma14="http://schemas.microsoft.com/office/mac/drawingml/2011/main" val="1"/>
+              <ma14:wrappingTextBoxFlag xmlns:ma14="http://schemas.microsoft.com/office/mac/drawingml/2011/main" xmlns:a14="http://schemas.microsoft.com/office/drawing/2010/main" xmlns:m="http://schemas.openxmlformats.org/officeDocument/2006/math" xmlns="" val="1"/>
             </a:ext>
           </a:extLst>
         </p:spPr>
@@ -33992,7 +33996,7 @@
           </a:ln>
           <a:extLst>
             <a:ext uri="{C572A759-6A51-4108-AA02-DFA0A04FC94B}">
-              <ma14:wrappingTextBoxFlag xmlns="" xmlns:m="http://schemas.openxmlformats.org/officeDocument/2006/math" xmlns:a14="http://schemas.microsoft.com/office/drawing/2010/main" xmlns:ma14="http://schemas.microsoft.com/office/mac/drawingml/2011/main" val="1"/>
+              <ma14:wrappingTextBoxFlag xmlns:ma14="http://schemas.microsoft.com/office/mac/drawingml/2011/main" xmlns:a14="http://schemas.microsoft.com/office/drawing/2010/main" xmlns:m="http://schemas.openxmlformats.org/officeDocument/2006/math" xmlns="" val="1"/>
             </a:ext>
           </a:extLst>
         </p:spPr>
@@ -34073,7 +34077,7 @@
           </a:ln>
           <a:extLst>
             <a:ext uri="{C572A759-6A51-4108-AA02-DFA0A04FC94B}">
-              <ma14:wrappingTextBoxFlag xmlns="" xmlns:m="http://schemas.openxmlformats.org/officeDocument/2006/math" xmlns:a14="http://schemas.microsoft.com/office/drawing/2010/main" xmlns:ma14="http://schemas.microsoft.com/office/mac/drawingml/2011/main" val="1"/>
+              <ma14:wrappingTextBoxFlag xmlns:ma14="http://schemas.microsoft.com/office/mac/drawingml/2011/main" xmlns:a14="http://schemas.microsoft.com/office/drawing/2010/main" xmlns:m="http://schemas.openxmlformats.org/officeDocument/2006/math" xmlns="" val="1"/>
             </a:ext>
           </a:extLst>
         </p:spPr>
@@ -34136,7 +34140,7 @@
           </a:ln>
           <a:extLst>
             <a:ext uri="{C572A759-6A51-4108-AA02-DFA0A04FC94B}">
-              <ma14:wrappingTextBoxFlag xmlns="" xmlns:m="http://schemas.openxmlformats.org/officeDocument/2006/math" xmlns:a14="http://schemas.microsoft.com/office/drawing/2010/main" xmlns:ma14="http://schemas.microsoft.com/office/mac/drawingml/2011/main" val="1"/>
+              <ma14:wrappingTextBoxFlag xmlns:ma14="http://schemas.microsoft.com/office/mac/drawingml/2011/main" xmlns:a14="http://schemas.microsoft.com/office/drawing/2010/main" xmlns:m="http://schemas.openxmlformats.org/officeDocument/2006/math" xmlns="" val="1"/>
             </a:ext>
           </a:extLst>
         </p:spPr>
@@ -34349,7 +34353,7 @@
           </a:ln>
           <a:extLst>
             <a:ext uri="{C572A759-6A51-4108-AA02-DFA0A04FC94B}">
-              <ma14:wrappingTextBoxFlag xmlns="" xmlns:m="http://schemas.openxmlformats.org/officeDocument/2006/math" xmlns:a14="http://schemas.microsoft.com/office/drawing/2010/main" xmlns:ma14="http://schemas.microsoft.com/office/mac/drawingml/2011/main" val="1"/>
+              <ma14:wrappingTextBoxFlag xmlns:ma14="http://schemas.microsoft.com/office/mac/drawingml/2011/main" xmlns:a14="http://schemas.microsoft.com/office/drawing/2010/main" xmlns:m="http://schemas.openxmlformats.org/officeDocument/2006/math" xmlns="" val="1"/>
             </a:ext>
           </a:extLst>
         </p:spPr>
@@ -34399,7 +34403,7 @@
           </a:ln>
           <a:extLst>
             <a:ext uri="{C572A759-6A51-4108-AA02-DFA0A04FC94B}">
-              <ma14:wrappingTextBoxFlag xmlns="" xmlns:m="http://schemas.openxmlformats.org/officeDocument/2006/math" xmlns:a14="http://schemas.microsoft.com/office/drawing/2010/main" xmlns:ma14="http://schemas.microsoft.com/office/mac/drawingml/2011/main" val="1"/>
+              <ma14:wrappingTextBoxFlag xmlns:ma14="http://schemas.microsoft.com/office/mac/drawingml/2011/main" xmlns:a14="http://schemas.microsoft.com/office/drawing/2010/main" xmlns:m="http://schemas.openxmlformats.org/officeDocument/2006/math" xmlns="" val="1"/>
             </a:ext>
           </a:extLst>
         </p:spPr>
@@ -34425,8 +34429,12 @@
           </a:lstStyle>
           <a:p>
             <a:r>
+              <a:rPr lang="ru-RU" dirty="0"/>
+              <a:t>Михаил </a:t>
+            </a:r>
+            <a:r>
               <a:rPr lang="ru-RU" dirty="0" smtClean="0"/>
-              <a:t>Лектор</a:t>
+              <a:t>Ларченко</a:t>
             </a:r>
             <a:endParaRPr lang="ru-RU" dirty="0"/>
           </a:p>
@@ -34451,7 +34459,7 @@
           </a:ln>
           <a:extLst>
             <a:ext uri="{C572A759-6A51-4108-AA02-DFA0A04FC94B}">
-              <ma14:wrappingTextBoxFlag xmlns="" xmlns:m="http://schemas.openxmlformats.org/officeDocument/2006/math" xmlns:a14="http://schemas.microsoft.com/office/drawing/2010/main" xmlns:ma14="http://schemas.microsoft.com/office/mac/drawingml/2011/main" val="1"/>
+              <ma14:wrappingTextBoxFlag xmlns:ma14="http://schemas.microsoft.com/office/mac/drawingml/2011/main" xmlns:a14="http://schemas.microsoft.com/office/drawing/2010/main" xmlns:m="http://schemas.openxmlformats.org/officeDocument/2006/math" xmlns="" val="1"/>
             </a:ext>
           </a:extLst>
         </p:spPr>
@@ -34477,12 +34485,8 @@
           </a:lstStyle>
           <a:p>
             <a:r>
-              <a:rPr lang="ru-RU" dirty="0"/>
-              <a:t>Д</a:t>
-            </a:r>
-            <a:r>
-              <a:rPr lang="ru-RU" dirty="0" smtClean="0"/>
-              <a:t>олжность</a:t>
+              <a:rPr lang="en-US" dirty="0"/>
+              <a:t>Tech Lead</a:t>
             </a:r>
             <a:endParaRPr lang="en-US" dirty="0"/>
           </a:p>
@@ -34546,6 +34550,60 @@
           </a:ln>
         </p:spPr>
       </p:pic>
+      <p:sp>
+        <p:nvSpPr>
+          <p:cNvPr id="7" name="Shape 55"/>
+          <p:cNvSpPr txBox="1"/>
+          <p:nvPr/>
+        </p:nvSpPr>
+        <p:spPr>
+          <a:xfrm>
+            <a:off x="2357235" y="8756911"/>
+            <a:ext cx="9648940" cy="448841"/>
+          </a:xfrm>
+          <a:prstGeom prst="rect">
+            <a:avLst/>
+          </a:prstGeom>
+          <a:ln w="12700">
+            <a:miter lim="400000"/>
+          </a:ln>
+          <a:extLst>
+            <a:ext uri="{C572A759-6A51-4108-AA02-DFA0A04FC94B}">
+              <ma14:wrappingTextBoxFlag xmlns:ma14="http://schemas.microsoft.com/office/mac/drawingml/2011/main" xmlns:a14="http://schemas.microsoft.com/office/drawing/2010/main" xmlns:m="http://schemas.openxmlformats.org/officeDocument/2006/math" xmlns="" val="1"/>
+            </a:ext>
+          </a:extLst>
+        </p:spPr>
+        <p:txBody>
+          <a:bodyPr lIns="50800" tIns="50800" rIns="50800" bIns="50800">
+            <a:spAutoFit/>
+          </a:bodyPr>
+          <a:lstStyle>
+            <a:lvl1pPr algn="l">
+              <a:lnSpc>
+                <a:spcPct val="90000"/>
+              </a:lnSpc>
+              <a:defRPr sz="2500" b="1" cap="all" spc="249">
+                <a:solidFill>
+                  <a:srgbClr val="3F3F3F"/>
+                </a:solidFill>
+                <a:latin typeface="+mj-lt"/>
+                <a:ea typeface="+mj-ea"/>
+                <a:cs typeface="+mj-cs"/>
+                <a:sym typeface="Helvetica"/>
+              </a:defRPr>
+            </a:lvl1pPr>
+          </a:lstStyle>
+          <a:p>
+            <a:r>
+              <a:rPr lang="en-US" cap="none" dirty="0">
+                <a:hlinkClick r:id="rId4"/>
+              </a:rPr>
+              <a:t>larchanka@me.com</a:t>
+            </a:r>
+            <a:endParaRPr lang="en-US" cap="none" dirty="0"/>
+          </a:p>
+        </p:txBody>
+      </p:sp>
     </p:spTree>
   </p:cSld>
   <p:clrMapOvr>
@@ -34598,7 +34656,7 @@
           </a:ln>
           <a:extLst>
             <a:ext uri="{C572A759-6A51-4108-AA02-DFA0A04FC94B}">
-              <ma14:wrappingTextBoxFlag xmlns="" xmlns:m="http://schemas.openxmlformats.org/officeDocument/2006/math" xmlns:a14="http://schemas.microsoft.com/office/drawing/2010/main" xmlns:ma14="http://schemas.microsoft.com/office/mac/drawingml/2011/main" val="1"/>
+              <ma14:wrappingTextBoxFlag xmlns:ma14="http://schemas.microsoft.com/office/mac/drawingml/2011/main" xmlns:a14="http://schemas.microsoft.com/office/drawing/2010/main" xmlns:m="http://schemas.openxmlformats.org/officeDocument/2006/math" xmlns="" val="1"/>
             </a:ext>
           </a:extLst>
         </p:spPr>
@@ -34751,7 +34809,7 @@
           </a:ln>
           <a:extLst>
             <a:ext uri="{C572A759-6A51-4108-AA02-DFA0A04FC94B}">
-              <ma14:wrappingTextBoxFlag xmlns="" xmlns:m="http://schemas.openxmlformats.org/officeDocument/2006/math" xmlns:a14="http://schemas.microsoft.com/office/drawing/2010/main" xmlns:ma14="http://schemas.microsoft.com/office/mac/drawingml/2011/main" val="1"/>
+              <ma14:wrappingTextBoxFlag xmlns:ma14="http://schemas.microsoft.com/office/mac/drawingml/2011/main" xmlns:a14="http://schemas.microsoft.com/office/drawing/2010/main" xmlns:m="http://schemas.openxmlformats.org/officeDocument/2006/math" xmlns="" val="1"/>
             </a:ext>
           </a:extLst>
         </p:spPr>
@@ -34840,7 +34898,7 @@
           </a:ln>
           <a:extLst>
             <a:ext uri="{C572A759-6A51-4108-AA02-DFA0A04FC94B}">
-              <ma14:wrappingTextBoxFlag xmlns="" xmlns:m="http://schemas.openxmlformats.org/officeDocument/2006/math" xmlns:a14="http://schemas.microsoft.com/office/drawing/2010/main" xmlns:ma14="http://schemas.microsoft.com/office/mac/drawingml/2011/main" val="1"/>
+              <ma14:wrappingTextBoxFlag xmlns:ma14="http://schemas.microsoft.com/office/mac/drawingml/2011/main" xmlns:a14="http://schemas.microsoft.com/office/drawing/2010/main" xmlns:m="http://schemas.openxmlformats.org/officeDocument/2006/math" xmlns="" val="1"/>
             </a:ext>
           </a:extLst>
         </p:spPr>
@@ -34925,7 +34983,7 @@
           </a:ln>
           <a:extLst>
             <a:ext uri="{C572A759-6A51-4108-AA02-DFA0A04FC94B}">
-              <ma14:wrappingTextBoxFlag xmlns="" xmlns:m="http://schemas.openxmlformats.org/officeDocument/2006/math" xmlns:a14="http://schemas.microsoft.com/office/drawing/2010/main" xmlns:ma14="http://schemas.microsoft.com/office/mac/drawingml/2011/main" val="1"/>
+              <ma14:wrappingTextBoxFlag xmlns:ma14="http://schemas.microsoft.com/office/mac/drawingml/2011/main" xmlns:a14="http://schemas.microsoft.com/office/drawing/2010/main" xmlns:m="http://schemas.openxmlformats.org/officeDocument/2006/math" xmlns="" val="1"/>
             </a:ext>
           </a:extLst>
         </p:spPr>
@@ -34982,7 +35040,7 @@
           </a:ln>
           <a:extLst>
             <a:ext uri="{C572A759-6A51-4108-AA02-DFA0A04FC94B}">
-              <ma14:wrappingTextBoxFlag xmlns="" xmlns:m="http://schemas.openxmlformats.org/officeDocument/2006/math" xmlns:a14="http://schemas.microsoft.com/office/drawing/2010/main" xmlns:ma14="http://schemas.microsoft.com/office/mac/drawingml/2011/main" val="1"/>
+              <ma14:wrappingTextBoxFlag xmlns:ma14="http://schemas.microsoft.com/office/mac/drawingml/2011/main" xmlns:a14="http://schemas.microsoft.com/office/drawing/2010/main" xmlns:m="http://schemas.openxmlformats.org/officeDocument/2006/math" xmlns="" val="1"/>
             </a:ext>
           </a:extLst>
         </p:spPr>
@@ -35071,7 +35129,7 @@
             </a:ln>
             <a:extLst>
               <a:ext uri="{C572A759-6A51-4108-AA02-DFA0A04FC94B}">
-                <ma14:wrappingTextBoxFlag xmlns="" xmlns:m="http://schemas.openxmlformats.org/officeDocument/2006/math" xmlns:a14="http://schemas.microsoft.com/office/drawing/2010/main" xmlns:ma14="http://schemas.microsoft.com/office/mac/drawingml/2011/main" val="1"/>
+                <ma14:wrappingTextBoxFlag xmlns:ma14="http://schemas.microsoft.com/office/mac/drawingml/2011/main" xmlns:a14="http://schemas.microsoft.com/office/drawing/2010/main" xmlns:m="http://schemas.openxmlformats.org/officeDocument/2006/math" xmlns="" val="1"/>
               </a:ext>
             </a:extLst>
           </p:spPr>
@@ -36156,7 +36214,7 @@
           </a:ln>
           <a:extLst>
             <a:ext uri="{C572A759-6A51-4108-AA02-DFA0A04FC94B}">
-              <ma14:wrappingTextBoxFlag xmlns="" xmlns:m="http://schemas.openxmlformats.org/officeDocument/2006/math" xmlns:a14="http://schemas.microsoft.com/office/drawing/2010/main" xmlns:ma14="http://schemas.microsoft.com/office/mac/drawingml/2011/main" val="1"/>
+              <ma14:wrappingTextBoxFlag xmlns:ma14="http://schemas.microsoft.com/office/mac/drawingml/2011/main" xmlns:a14="http://schemas.microsoft.com/office/drawing/2010/main" xmlns:m="http://schemas.openxmlformats.org/officeDocument/2006/math" xmlns="" val="1"/>
             </a:ext>
           </a:extLst>
         </p:spPr>
@@ -36298,7 +36356,7 @@
           </a:ln>
           <a:extLst>
             <a:ext uri="{C572A759-6A51-4108-AA02-DFA0A04FC94B}">
-              <ma14:wrappingTextBoxFlag xmlns="" xmlns:m="http://schemas.openxmlformats.org/officeDocument/2006/math" xmlns:a14="http://schemas.microsoft.com/office/drawing/2010/main" xmlns:ma14="http://schemas.microsoft.com/office/mac/drawingml/2011/main" val="1"/>
+              <ma14:wrappingTextBoxFlag xmlns:ma14="http://schemas.microsoft.com/office/mac/drawingml/2011/main" xmlns:a14="http://schemas.microsoft.com/office/drawing/2010/main" xmlns:m="http://schemas.openxmlformats.org/officeDocument/2006/math" xmlns="" val="1"/>
             </a:ext>
           </a:extLst>
         </p:spPr>
@@ -36388,7 +36446,7 @@
           </a:ln>
           <a:extLst>
             <a:ext uri="{C572A759-6A51-4108-AA02-DFA0A04FC94B}">
-              <ma14:wrappingTextBoxFlag xmlns="" xmlns:m="http://schemas.openxmlformats.org/officeDocument/2006/math" xmlns:a14="http://schemas.microsoft.com/office/drawing/2010/main" xmlns:ma14="http://schemas.microsoft.com/office/mac/drawingml/2011/main" val="1"/>
+              <ma14:wrappingTextBoxFlag xmlns:ma14="http://schemas.microsoft.com/office/mac/drawingml/2011/main" xmlns:a14="http://schemas.microsoft.com/office/drawing/2010/main" xmlns:m="http://schemas.openxmlformats.org/officeDocument/2006/math" xmlns="" val="1"/>
             </a:ext>
           </a:extLst>
         </p:spPr>
@@ -36599,7 +36657,7 @@
           </a:ln>
           <a:extLst>
             <a:ext uri="{C572A759-6A51-4108-AA02-DFA0A04FC94B}">
-              <ma14:wrappingTextBoxFlag xmlns="" xmlns:m="http://schemas.openxmlformats.org/officeDocument/2006/math" xmlns:a14="http://schemas.microsoft.com/office/drawing/2010/main" xmlns:ma14="http://schemas.microsoft.com/office/mac/drawingml/2011/main" val="1"/>
+              <ma14:wrappingTextBoxFlag xmlns:ma14="http://schemas.microsoft.com/office/mac/drawingml/2011/main" xmlns:a14="http://schemas.microsoft.com/office/drawing/2010/main" xmlns:m="http://schemas.openxmlformats.org/officeDocument/2006/math" xmlns="" val="1"/>
             </a:ext>
           </a:extLst>
         </p:spPr>
@@ -36688,7 +36746,7 @@
           </a:ln>
           <a:extLst>
             <a:ext uri="{C572A759-6A51-4108-AA02-DFA0A04FC94B}">
-              <ma14:wrappingTextBoxFlag xmlns="" xmlns:m="http://schemas.openxmlformats.org/officeDocument/2006/math" xmlns:a14="http://schemas.microsoft.com/office/drawing/2010/main" xmlns:ma14="http://schemas.microsoft.com/office/mac/drawingml/2011/main" val="1"/>
+              <ma14:wrappingTextBoxFlag xmlns:ma14="http://schemas.microsoft.com/office/mac/drawingml/2011/main" xmlns:a14="http://schemas.microsoft.com/office/drawing/2010/main" xmlns:m="http://schemas.openxmlformats.org/officeDocument/2006/math" xmlns="" val="1"/>
             </a:ext>
           </a:extLst>
         </p:spPr>
@@ -36787,7 +36845,7 @@
             </a:ln>
             <a:extLst>
               <a:ext uri="{C572A759-6A51-4108-AA02-DFA0A04FC94B}">
-                <ma14:wrappingTextBoxFlag xmlns="" xmlns:m="http://schemas.openxmlformats.org/officeDocument/2006/math" xmlns:a14="http://schemas.microsoft.com/office/drawing/2010/main" xmlns:ma14="http://schemas.microsoft.com/office/mac/drawingml/2011/main" val="1"/>
+                <ma14:wrappingTextBoxFlag xmlns:ma14="http://schemas.microsoft.com/office/mac/drawingml/2011/main" xmlns:a14="http://schemas.microsoft.com/office/drawing/2010/main" xmlns:m="http://schemas.openxmlformats.org/officeDocument/2006/math" xmlns="" val="1"/>
               </a:ext>
             </a:extLst>
           </p:spPr>
